--- a/figures/figure_components/figure3.pptx
+++ b/figures/figure_components/figure3.pptx
@@ -2,12 +2,12 @@
 <file path=ppt/presentation.xml><?xml version="1.0" encoding="utf-8"?>
 <p:presentation xmlns:a="http://schemas.openxmlformats.org/drawingml/2006/main" xmlns:r="http://schemas.openxmlformats.org/officeDocument/2006/relationships" xmlns:p="http://schemas.openxmlformats.org/presentationml/2006/main" saveSubsetFonts="1" autoCompressPictures="0">
   <p:sldMasterIdLst>
-    <p:sldMasterId id="2147483660" r:id="rId1"/>
+    <p:sldMasterId id="2147483696" r:id="rId1"/>
   </p:sldMasterIdLst>
   <p:sldIdLst>
     <p:sldId id="256" r:id="rId2"/>
   </p:sldIdLst>
-  <p:sldSz cx="6858000" cy="6629400"/>
+  <p:sldSz cx="6858000" cy="5121275"/>
   <p:notesSz cx="6858000" cy="9144000"/>
   <p:defaultTextStyle>
     <a:defPPr>
@@ -141,15 +141,15 @@
         </p:nvSpPr>
         <p:spPr>
           <a:xfrm>
-            <a:off x="514350" y="1084951"/>
-            <a:ext cx="5829300" cy="2308013"/>
+            <a:off x="514350" y="838135"/>
+            <a:ext cx="5829300" cy="1782962"/>
           </a:xfrm>
         </p:spPr>
         <p:txBody>
           <a:bodyPr anchor="b"/>
           <a:lstStyle>
             <a:lvl1pPr algn="ctr">
-              <a:defRPr sz="4500"/>
+              <a:defRPr sz="4481"/>
             </a:lvl1pPr>
           </a:lstStyle>
           <a:p>
@@ -173,8 +173,8 @@
         </p:nvSpPr>
         <p:spPr>
           <a:xfrm>
-            <a:off x="857250" y="3481970"/>
-            <a:ext cx="5143500" cy="1600570"/>
+            <a:off x="857250" y="2689855"/>
+            <a:ext cx="5143500" cy="1236456"/>
           </a:xfrm>
         </p:spPr>
         <p:txBody>
@@ -182,39 +182,39 @@
           <a:lstStyle>
             <a:lvl1pPr marL="0" indent="0" algn="ctr">
               <a:buNone/>
-              <a:defRPr sz="1800"/>
+              <a:defRPr sz="1792"/>
             </a:lvl1pPr>
-            <a:lvl2pPr marL="342900" indent="0" algn="ctr">
-              <a:buNone/>
-              <a:defRPr sz="1500"/>
+            <a:lvl2pPr marL="341437" indent="0" algn="ctr">
+              <a:buNone/>
+              <a:defRPr sz="1494"/>
             </a:lvl2pPr>
-            <a:lvl3pPr marL="685800" indent="0" algn="ctr">
-              <a:buNone/>
-              <a:defRPr sz="1350"/>
+            <a:lvl3pPr marL="682874" indent="0" algn="ctr">
+              <a:buNone/>
+              <a:defRPr sz="1344"/>
             </a:lvl3pPr>
-            <a:lvl4pPr marL="1028700" indent="0" algn="ctr">
-              <a:buNone/>
-              <a:defRPr sz="1200"/>
+            <a:lvl4pPr marL="1024311" indent="0" algn="ctr">
+              <a:buNone/>
+              <a:defRPr sz="1195"/>
             </a:lvl4pPr>
-            <a:lvl5pPr marL="1371600" indent="0" algn="ctr">
-              <a:buNone/>
-              <a:defRPr sz="1200"/>
+            <a:lvl5pPr marL="1365748" indent="0" algn="ctr">
+              <a:buNone/>
+              <a:defRPr sz="1195"/>
             </a:lvl5pPr>
-            <a:lvl6pPr marL="1714500" indent="0" algn="ctr">
-              <a:buNone/>
-              <a:defRPr sz="1200"/>
+            <a:lvl6pPr marL="1707185" indent="0" algn="ctr">
+              <a:buNone/>
+              <a:defRPr sz="1195"/>
             </a:lvl6pPr>
-            <a:lvl7pPr marL="2057400" indent="0" algn="ctr">
-              <a:buNone/>
-              <a:defRPr sz="1200"/>
+            <a:lvl7pPr marL="2048622" indent="0" algn="ctr">
+              <a:buNone/>
+              <a:defRPr sz="1195"/>
             </a:lvl7pPr>
-            <a:lvl8pPr marL="2400300" indent="0" algn="ctr">
-              <a:buNone/>
-              <a:defRPr sz="1200"/>
+            <a:lvl8pPr marL="2390059" indent="0" algn="ctr">
+              <a:buNone/>
+              <a:defRPr sz="1195"/>
             </a:lvl8pPr>
-            <a:lvl9pPr marL="2743200" indent="0" algn="ctr">
-              <a:buNone/>
-              <a:defRPr sz="1200"/>
+            <a:lvl9pPr marL="2731496" indent="0" algn="ctr">
+              <a:buNone/>
+              <a:defRPr sz="1195"/>
             </a:lvl9pPr>
           </a:lstStyle>
           <a:p>
@@ -243,7 +243,7 @@
           <a:p>
             <a:fld id="{401E1E6C-EA39-C04F-8BD7-24F3AA3999CD}" type="datetimeFigureOut">
               <a:rPr lang="en-US" smtClean="0"/>
-              <a:t>9/11/20</a:t>
+              <a:t>10/13/20</a:t>
             </a:fld>
             <a:endParaRPr lang="en-US"/>
           </a:p>
@@ -294,7 +294,7 @@
     </p:spTree>
     <p:extLst>
       <p:ext uri="{BB962C8B-B14F-4D97-AF65-F5344CB8AC3E}">
-        <p14:creationId xmlns:p14="http://schemas.microsoft.com/office/powerpoint/2010/main" val="445311107"/>
+        <p14:creationId xmlns:p14="http://schemas.microsoft.com/office/powerpoint/2010/main" val="3887289126"/>
       </p:ext>
     </p:extLst>
   </p:cSld>
@@ -413,7 +413,7 @@
           <a:p>
             <a:fld id="{401E1E6C-EA39-C04F-8BD7-24F3AA3999CD}" type="datetimeFigureOut">
               <a:rPr lang="en-US" smtClean="0"/>
-              <a:t>9/11/20</a:t>
+              <a:t>10/13/20</a:t>
             </a:fld>
             <a:endParaRPr lang="en-US"/>
           </a:p>
@@ -464,7 +464,7 @@
     </p:spTree>
     <p:extLst>
       <p:ext uri="{BB962C8B-B14F-4D97-AF65-F5344CB8AC3E}">
-        <p14:creationId xmlns:p14="http://schemas.microsoft.com/office/powerpoint/2010/main" val="661369027"/>
+        <p14:creationId xmlns:p14="http://schemas.microsoft.com/office/powerpoint/2010/main" val="1682824635"/>
       </p:ext>
     </p:extLst>
   </p:cSld>
@@ -503,8 +503,8 @@
         </p:nvSpPr>
         <p:spPr>
           <a:xfrm>
-            <a:off x="4907757" y="352954"/>
-            <a:ext cx="1478756" cy="5618110"/>
+            <a:off x="4907757" y="272660"/>
+            <a:ext cx="1478756" cy="4340044"/>
           </a:xfrm>
         </p:spPr>
         <p:txBody>
@@ -531,8 +531,8 @@
         </p:nvSpPr>
         <p:spPr>
           <a:xfrm>
-            <a:off x="471488" y="352954"/>
-            <a:ext cx="4350544" cy="5618110"/>
+            <a:off x="471488" y="272660"/>
+            <a:ext cx="4350544" cy="4340044"/>
           </a:xfrm>
         </p:spPr>
         <p:txBody>
@@ -593,7 +593,7 @@
           <a:p>
             <a:fld id="{401E1E6C-EA39-C04F-8BD7-24F3AA3999CD}" type="datetimeFigureOut">
               <a:rPr lang="en-US" smtClean="0"/>
-              <a:t>9/11/20</a:t>
+              <a:t>10/13/20</a:t>
             </a:fld>
             <a:endParaRPr lang="en-US"/>
           </a:p>
@@ -644,7 +644,7 @@
     </p:spTree>
     <p:extLst>
       <p:ext uri="{BB962C8B-B14F-4D97-AF65-F5344CB8AC3E}">
-        <p14:creationId xmlns:p14="http://schemas.microsoft.com/office/powerpoint/2010/main" val="2052910054"/>
+        <p14:creationId xmlns:p14="http://schemas.microsoft.com/office/powerpoint/2010/main" val="1654169987"/>
       </p:ext>
     </p:extLst>
   </p:cSld>
@@ -763,7 +763,7 @@
           <a:p>
             <a:fld id="{401E1E6C-EA39-C04F-8BD7-24F3AA3999CD}" type="datetimeFigureOut">
               <a:rPr lang="en-US" smtClean="0"/>
-              <a:t>9/11/20</a:t>
+              <a:t>10/13/20</a:t>
             </a:fld>
             <a:endParaRPr lang="en-US"/>
           </a:p>
@@ -814,7 +814,7 @@
     </p:spTree>
     <p:extLst>
       <p:ext uri="{BB962C8B-B14F-4D97-AF65-F5344CB8AC3E}">
-        <p14:creationId xmlns:p14="http://schemas.microsoft.com/office/powerpoint/2010/main" val="2311650796"/>
+        <p14:creationId xmlns:p14="http://schemas.microsoft.com/office/powerpoint/2010/main" val="3915787794"/>
       </p:ext>
     </p:extLst>
   </p:cSld>
@@ -853,15 +853,15 @@
         </p:nvSpPr>
         <p:spPr>
           <a:xfrm>
-            <a:off x="467916" y="1652748"/>
-            <a:ext cx="5915025" cy="2757646"/>
+            <a:off x="467916" y="1276764"/>
+            <a:ext cx="5915025" cy="2130308"/>
           </a:xfrm>
         </p:spPr>
         <p:txBody>
           <a:bodyPr anchor="b"/>
           <a:lstStyle>
             <a:lvl1pPr>
-              <a:defRPr sz="4500"/>
+              <a:defRPr sz="4481"/>
             </a:lvl1pPr>
           </a:lstStyle>
           <a:p>
@@ -885,8 +885,8 @@
         </p:nvSpPr>
         <p:spPr>
           <a:xfrm>
-            <a:off x="467916" y="4436482"/>
-            <a:ext cx="5915025" cy="1450181"/>
+            <a:off x="467916" y="3427225"/>
+            <a:ext cx="5915025" cy="1120279"/>
           </a:xfrm>
         </p:spPr>
         <p:txBody>
@@ -894,15 +894,15 @@
           <a:lstStyle>
             <a:lvl1pPr marL="0" indent="0">
               <a:buNone/>
-              <a:defRPr sz="1800">
+              <a:defRPr sz="1792">
                 <a:solidFill>
                   <a:schemeClr val="tx1"/>
                 </a:solidFill>
               </a:defRPr>
             </a:lvl1pPr>
-            <a:lvl2pPr marL="342900" indent="0">
-              <a:buNone/>
-              <a:defRPr sz="1500">
+            <a:lvl2pPr marL="341437" indent="0">
+              <a:buNone/>
+              <a:defRPr sz="1494">
                 <a:solidFill>
                   <a:schemeClr val="tx1">
                     <a:tint val="75000"/>
@@ -910,9 +910,9 @@
                 </a:solidFill>
               </a:defRPr>
             </a:lvl2pPr>
-            <a:lvl3pPr marL="685800" indent="0">
-              <a:buNone/>
-              <a:defRPr sz="1350">
+            <a:lvl3pPr marL="682874" indent="0">
+              <a:buNone/>
+              <a:defRPr sz="1344">
                 <a:solidFill>
                   <a:schemeClr val="tx1">
                     <a:tint val="75000"/>
@@ -920,9 +920,9 @@
                 </a:solidFill>
               </a:defRPr>
             </a:lvl3pPr>
-            <a:lvl4pPr marL="1028700" indent="0">
-              <a:buNone/>
-              <a:defRPr sz="1200">
+            <a:lvl4pPr marL="1024311" indent="0">
+              <a:buNone/>
+              <a:defRPr sz="1195">
                 <a:solidFill>
                   <a:schemeClr val="tx1">
                     <a:tint val="75000"/>
@@ -930,9 +930,9 @@
                 </a:solidFill>
               </a:defRPr>
             </a:lvl4pPr>
-            <a:lvl5pPr marL="1371600" indent="0">
-              <a:buNone/>
-              <a:defRPr sz="1200">
+            <a:lvl5pPr marL="1365748" indent="0">
+              <a:buNone/>
+              <a:defRPr sz="1195">
                 <a:solidFill>
                   <a:schemeClr val="tx1">
                     <a:tint val="75000"/>
@@ -940,9 +940,9 @@
                 </a:solidFill>
               </a:defRPr>
             </a:lvl5pPr>
-            <a:lvl6pPr marL="1714500" indent="0">
-              <a:buNone/>
-              <a:defRPr sz="1200">
+            <a:lvl6pPr marL="1707185" indent="0">
+              <a:buNone/>
+              <a:defRPr sz="1195">
                 <a:solidFill>
                   <a:schemeClr val="tx1">
                     <a:tint val="75000"/>
@@ -950,9 +950,9 @@
                 </a:solidFill>
               </a:defRPr>
             </a:lvl6pPr>
-            <a:lvl7pPr marL="2057400" indent="0">
-              <a:buNone/>
-              <a:defRPr sz="1200">
+            <a:lvl7pPr marL="2048622" indent="0">
+              <a:buNone/>
+              <a:defRPr sz="1195">
                 <a:solidFill>
                   <a:schemeClr val="tx1">
                     <a:tint val="75000"/>
@@ -960,9 +960,9 @@
                 </a:solidFill>
               </a:defRPr>
             </a:lvl7pPr>
-            <a:lvl8pPr marL="2400300" indent="0">
-              <a:buNone/>
-              <a:defRPr sz="1200">
+            <a:lvl8pPr marL="2390059" indent="0">
+              <a:buNone/>
+              <a:defRPr sz="1195">
                 <a:solidFill>
                   <a:schemeClr val="tx1">
                     <a:tint val="75000"/>
@@ -970,9 +970,9 @@
                 </a:solidFill>
               </a:defRPr>
             </a:lvl8pPr>
-            <a:lvl9pPr marL="2743200" indent="0">
-              <a:buNone/>
-              <a:defRPr sz="1200">
+            <a:lvl9pPr marL="2731496" indent="0">
+              <a:buNone/>
+              <a:defRPr sz="1195">
                 <a:solidFill>
                   <a:schemeClr val="tx1">
                     <a:tint val="75000"/>
@@ -1007,7 +1007,7 @@
           <a:p>
             <a:fld id="{401E1E6C-EA39-C04F-8BD7-24F3AA3999CD}" type="datetimeFigureOut">
               <a:rPr lang="en-US" smtClean="0"/>
-              <a:t>9/11/20</a:t>
+              <a:t>10/13/20</a:t>
             </a:fld>
             <a:endParaRPr lang="en-US"/>
           </a:p>
@@ -1058,7 +1058,7 @@
     </p:spTree>
     <p:extLst>
       <p:ext uri="{BB962C8B-B14F-4D97-AF65-F5344CB8AC3E}">
-        <p14:creationId xmlns:p14="http://schemas.microsoft.com/office/powerpoint/2010/main" val="3801400895"/>
+        <p14:creationId xmlns:p14="http://schemas.microsoft.com/office/powerpoint/2010/main" val="999643538"/>
       </p:ext>
     </p:extLst>
   </p:cSld>
@@ -1120,8 +1120,8 @@
         </p:nvSpPr>
         <p:spPr>
           <a:xfrm>
-            <a:off x="471488" y="1764771"/>
-            <a:ext cx="2914650" cy="4206293"/>
+            <a:off x="471488" y="1363302"/>
+            <a:ext cx="2914650" cy="3249402"/>
           </a:xfrm>
         </p:spPr>
         <p:txBody>
@@ -1177,8 +1177,8 @@
         </p:nvSpPr>
         <p:spPr>
           <a:xfrm>
-            <a:off x="3471863" y="1764771"/>
-            <a:ext cx="2914650" cy="4206293"/>
+            <a:off x="3471863" y="1363302"/>
+            <a:ext cx="2914650" cy="3249402"/>
           </a:xfrm>
         </p:spPr>
         <p:txBody>
@@ -1239,7 +1239,7 @@
           <a:p>
             <a:fld id="{401E1E6C-EA39-C04F-8BD7-24F3AA3999CD}" type="datetimeFigureOut">
               <a:rPr lang="en-US" smtClean="0"/>
-              <a:t>9/11/20</a:t>
+              <a:t>10/13/20</a:t>
             </a:fld>
             <a:endParaRPr lang="en-US"/>
           </a:p>
@@ -1290,7 +1290,7 @@
     </p:spTree>
     <p:extLst>
       <p:ext uri="{BB962C8B-B14F-4D97-AF65-F5344CB8AC3E}">
-        <p14:creationId xmlns:p14="http://schemas.microsoft.com/office/powerpoint/2010/main" val="3614899142"/>
+        <p14:creationId xmlns:p14="http://schemas.microsoft.com/office/powerpoint/2010/main" val="1787708356"/>
       </p:ext>
     </p:extLst>
   </p:cSld>
@@ -1329,8 +1329,8 @@
         </p:nvSpPr>
         <p:spPr>
           <a:xfrm>
-            <a:off x="472381" y="352955"/>
-            <a:ext cx="5915025" cy="1281378"/>
+            <a:off x="472381" y="272662"/>
+            <a:ext cx="5915025" cy="989876"/>
           </a:xfrm>
         </p:spPr>
         <p:txBody>
@@ -1357,8 +1357,8 @@
         </p:nvSpPr>
         <p:spPr>
           <a:xfrm>
-            <a:off x="472381" y="1625124"/>
-            <a:ext cx="2901255" cy="796448"/>
+            <a:off x="472381" y="1255424"/>
+            <a:ext cx="2901255" cy="615264"/>
           </a:xfrm>
         </p:spPr>
         <p:txBody>
@@ -1366,39 +1366,39 @@
           <a:lstStyle>
             <a:lvl1pPr marL="0" indent="0">
               <a:buNone/>
-              <a:defRPr sz="1800" b="1"/>
+              <a:defRPr sz="1792" b="1"/>
             </a:lvl1pPr>
-            <a:lvl2pPr marL="342900" indent="0">
-              <a:buNone/>
-              <a:defRPr sz="1500" b="1"/>
+            <a:lvl2pPr marL="341437" indent="0">
+              <a:buNone/>
+              <a:defRPr sz="1494" b="1"/>
             </a:lvl2pPr>
-            <a:lvl3pPr marL="685800" indent="0">
-              <a:buNone/>
-              <a:defRPr sz="1350" b="1"/>
+            <a:lvl3pPr marL="682874" indent="0">
+              <a:buNone/>
+              <a:defRPr sz="1344" b="1"/>
             </a:lvl3pPr>
-            <a:lvl4pPr marL="1028700" indent="0">
-              <a:buNone/>
-              <a:defRPr sz="1200" b="1"/>
+            <a:lvl4pPr marL="1024311" indent="0">
+              <a:buNone/>
+              <a:defRPr sz="1195" b="1"/>
             </a:lvl4pPr>
-            <a:lvl5pPr marL="1371600" indent="0">
-              <a:buNone/>
-              <a:defRPr sz="1200" b="1"/>
+            <a:lvl5pPr marL="1365748" indent="0">
+              <a:buNone/>
+              <a:defRPr sz="1195" b="1"/>
             </a:lvl5pPr>
-            <a:lvl6pPr marL="1714500" indent="0">
-              <a:buNone/>
-              <a:defRPr sz="1200" b="1"/>
+            <a:lvl6pPr marL="1707185" indent="0">
+              <a:buNone/>
+              <a:defRPr sz="1195" b="1"/>
             </a:lvl6pPr>
-            <a:lvl7pPr marL="2057400" indent="0">
-              <a:buNone/>
-              <a:defRPr sz="1200" b="1"/>
+            <a:lvl7pPr marL="2048622" indent="0">
+              <a:buNone/>
+              <a:defRPr sz="1195" b="1"/>
             </a:lvl7pPr>
-            <a:lvl8pPr marL="2400300" indent="0">
-              <a:buNone/>
-              <a:defRPr sz="1200" b="1"/>
+            <a:lvl8pPr marL="2390059" indent="0">
+              <a:buNone/>
+              <a:defRPr sz="1195" b="1"/>
             </a:lvl8pPr>
-            <a:lvl9pPr marL="2743200" indent="0">
-              <a:buNone/>
-              <a:defRPr sz="1200" b="1"/>
+            <a:lvl9pPr marL="2731496" indent="0">
+              <a:buNone/>
+              <a:defRPr sz="1195" b="1"/>
             </a:lvl9pPr>
           </a:lstStyle>
           <a:p>
@@ -1422,8 +1422,8 @@
         </p:nvSpPr>
         <p:spPr>
           <a:xfrm>
-            <a:off x="472381" y="2421573"/>
-            <a:ext cx="2901255" cy="3561768"/>
+            <a:off x="472381" y="1870688"/>
+            <a:ext cx="2901255" cy="2751500"/>
           </a:xfrm>
         </p:spPr>
         <p:txBody>
@@ -1479,8 +1479,8 @@
         </p:nvSpPr>
         <p:spPr>
           <a:xfrm>
-            <a:off x="3471863" y="1625124"/>
-            <a:ext cx="2915543" cy="796448"/>
+            <a:off x="3471863" y="1255424"/>
+            <a:ext cx="2915543" cy="615264"/>
           </a:xfrm>
         </p:spPr>
         <p:txBody>
@@ -1488,39 +1488,39 @@
           <a:lstStyle>
             <a:lvl1pPr marL="0" indent="0">
               <a:buNone/>
-              <a:defRPr sz="1800" b="1"/>
+              <a:defRPr sz="1792" b="1"/>
             </a:lvl1pPr>
-            <a:lvl2pPr marL="342900" indent="0">
-              <a:buNone/>
-              <a:defRPr sz="1500" b="1"/>
+            <a:lvl2pPr marL="341437" indent="0">
+              <a:buNone/>
+              <a:defRPr sz="1494" b="1"/>
             </a:lvl2pPr>
-            <a:lvl3pPr marL="685800" indent="0">
-              <a:buNone/>
-              <a:defRPr sz="1350" b="1"/>
+            <a:lvl3pPr marL="682874" indent="0">
+              <a:buNone/>
+              <a:defRPr sz="1344" b="1"/>
             </a:lvl3pPr>
-            <a:lvl4pPr marL="1028700" indent="0">
-              <a:buNone/>
-              <a:defRPr sz="1200" b="1"/>
+            <a:lvl4pPr marL="1024311" indent="0">
+              <a:buNone/>
+              <a:defRPr sz="1195" b="1"/>
             </a:lvl4pPr>
-            <a:lvl5pPr marL="1371600" indent="0">
-              <a:buNone/>
-              <a:defRPr sz="1200" b="1"/>
+            <a:lvl5pPr marL="1365748" indent="0">
+              <a:buNone/>
+              <a:defRPr sz="1195" b="1"/>
             </a:lvl5pPr>
-            <a:lvl6pPr marL="1714500" indent="0">
-              <a:buNone/>
-              <a:defRPr sz="1200" b="1"/>
+            <a:lvl6pPr marL="1707185" indent="0">
+              <a:buNone/>
+              <a:defRPr sz="1195" b="1"/>
             </a:lvl6pPr>
-            <a:lvl7pPr marL="2057400" indent="0">
-              <a:buNone/>
-              <a:defRPr sz="1200" b="1"/>
+            <a:lvl7pPr marL="2048622" indent="0">
+              <a:buNone/>
+              <a:defRPr sz="1195" b="1"/>
             </a:lvl7pPr>
-            <a:lvl8pPr marL="2400300" indent="0">
-              <a:buNone/>
-              <a:defRPr sz="1200" b="1"/>
+            <a:lvl8pPr marL="2390059" indent="0">
+              <a:buNone/>
+              <a:defRPr sz="1195" b="1"/>
             </a:lvl8pPr>
-            <a:lvl9pPr marL="2743200" indent="0">
-              <a:buNone/>
-              <a:defRPr sz="1200" b="1"/>
+            <a:lvl9pPr marL="2731496" indent="0">
+              <a:buNone/>
+              <a:defRPr sz="1195" b="1"/>
             </a:lvl9pPr>
           </a:lstStyle>
           <a:p>
@@ -1544,8 +1544,8 @@
         </p:nvSpPr>
         <p:spPr>
           <a:xfrm>
-            <a:off x="3471863" y="2421573"/>
-            <a:ext cx="2915543" cy="3561768"/>
+            <a:off x="3471863" y="1870688"/>
+            <a:ext cx="2915543" cy="2751500"/>
           </a:xfrm>
         </p:spPr>
         <p:txBody>
@@ -1606,7 +1606,7 @@
           <a:p>
             <a:fld id="{401E1E6C-EA39-C04F-8BD7-24F3AA3999CD}" type="datetimeFigureOut">
               <a:rPr lang="en-US" smtClean="0"/>
-              <a:t>9/11/20</a:t>
+              <a:t>10/13/20</a:t>
             </a:fld>
             <a:endParaRPr lang="en-US"/>
           </a:p>
@@ -1657,7 +1657,7 @@
     </p:spTree>
     <p:extLst>
       <p:ext uri="{BB962C8B-B14F-4D97-AF65-F5344CB8AC3E}">
-        <p14:creationId xmlns:p14="http://schemas.microsoft.com/office/powerpoint/2010/main" val="2878305486"/>
+        <p14:creationId xmlns:p14="http://schemas.microsoft.com/office/powerpoint/2010/main" val="89728405"/>
       </p:ext>
     </p:extLst>
   </p:cSld>
@@ -1724,7 +1724,7 @@
           <a:p>
             <a:fld id="{401E1E6C-EA39-C04F-8BD7-24F3AA3999CD}" type="datetimeFigureOut">
               <a:rPr lang="en-US" smtClean="0"/>
-              <a:t>9/11/20</a:t>
+              <a:t>10/13/20</a:t>
             </a:fld>
             <a:endParaRPr lang="en-US"/>
           </a:p>
@@ -1775,7 +1775,7 @@
     </p:spTree>
     <p:extLst>
       <p:ext uri="{BB962C8B-B14F-4D97-AF65-F5344CB8AC3E}">
-        <p14:creationId xmlns:p14="http://schemas.microsoft.com/office/powerpoint/2010/main" val="3775287965"/>
+        <p14:creationId xmlns:p14="http://schemas.microsoft.com/office/powerpoint/2010/main" val="3585793896"/>
       </p:ext>
     </p:extLst>
   </p:cSld>
@@ -1819,7 +1819,7 @@
           <a:p>
             <a:fld id="{401E1E6C-EA39-C04F-8BD7-24F3AA3999CD}" type="datetimeFigureOut">
               <a:rPr lang="en-US" smtClean="0"/>
-              <a:t>9/11/20</a:t>
+              <a:t>10/13/20</a:t>
             </a:fld>
             <a:endParaRPr lang="en-US"/>
           </a:p>
@@ -1870,7 +1870,7 @@
     </p:spTree>
     <p:extLst>
       <p:ext uri="{BB962C8B-B14F-4D97-AF65-F5344CB8AC3E}">
-        <p14:creationId xmlns:p14="http://schemas.microsoft.com/office/powerpoint/2010/main" val="3810562965"/>
+        <p14:creationId xmlns:p14="http://schemas.microsoft.com/office/powerpoint/2010/main" val="3630264715"/>
       </p:ext>
     </p:extLst>
   </p:cSld>
@@ -1909,15 +1909,15 @@
         </p:nvSpPr>
         <p:spPr>
           <a:xfrm>
-            <a:off x="472381" y="441960"/>
-            <a:ext cx="2211884" cy="1546860"/>
+            <a:off x="472381" y="341418"/>
+            <a:ext cx="2211884" cy="1194964"/>
           </a:xfrm>
         </p:spPr>
         <p:txBody>
           <a:bodyPr anchor="b"/>
           <a:lstStyle>
             <a:lvl1pPr>
-              <a:defRPr sz="2400"/>
+              <a:defRPr sz="2390"/>
             </a:lvl1pPr>
           </a:lstStyle>
           <a:p>
@@ -1941,39 +1941,39 @@
         </p:nvSpPr>
         <p:spPr>
           <a:xfrm>
-            <a:off x="2915543" y="954512"/>
-            <a:ext cx="3471863" cy="4711171"/>
+            <a:off x="2915543" y="737370"/>
+            <a:ext cx="3471863" cy="3639425"/>
           </a:xfrm>
         </p:spPr>
         <p:txBody>
           <a:bodyPr/>
           <a:lstStyle>
             <a:lvl1pPr>
-              <a:defRPr sz="2400"/>
+              <a:defRPr sz="2390"/>
             </a:lvl1pPr>
             <a:lvl2pPr>
-              <a:defRPr sz="2100"/>
+              <a:defRPr sz="2091"/>
             </a:lvl2pPr>
             <a:lvl3pPr>
-              <a:defRPr sz="1800"/>
+              <a:defRPr sz="1792"/>
             </a:lvl3pPr>
             <a:lvl4pPr>
-              <a:defRPr sz="1500"/>
+              <a:defRPr sz="1494"/>
             </a:lvl4pPr>
             <a:lvl5pPr>
-              <a:defRPr sz="1500"/>
+              <a:defRPr sz="1494"/>
             </a:lvl5pPr>
             <a:lvl6pPr>
-              <a:defRPr sz="1500"/>
+              <a:defRPr sz="1494"/>
             </a:lvl6pPr>
             <a:lvl7pPr>
-              <a:defRPr sz="1500"/>
+              <a:defRPr sz="1494"/>
             </a:lvl7pPr>
             <a:lvl8pPr>
-              <a:defRPr sz="1500"/>
+              <a:defRPr sz="1494"/>
             </a:lvl8pPr>
             <a:lvl9pPr>
-              <a:defRPr sz="1500"/>
+              <a:defRPr sz="1494"/>
             </a:lvl9pPr>
           </a:lstStyle>
           <a:p>
@@ -2026,8 +2026,8 @@
         </p:nvSpPr>
         <p:spPr>
           <a:xfrm>
-            <a:off x="472381" y="1988820"/>
-            <a:ext cx="2211884" cy="3684535"/>
+            <a:off x="472381" y="1536382"/>
+            <a:ext cx="2211884" cy="2846339"/>
           </a:xfrm>
         </p:spPr>
         <p:txBody>
@@ -2035,39 +2035,39 @@
           <a:lstStyle>
             <a:lvl1pPr marL="0" indent="0">
               <a:buNone/>
-              <a:defRPr sz="1200"/>
+              <a:defRPr sz="1195"/>
             </a:lvl1pPr>
-            <a:lvl2pPr marL="342900" indent="0">
-              <a:buNone/>
-              <a:defRPr sz="1050"/>
+            <a:lvl2pPr marL="341437" indent="0">
+              <a:buNone/>
+              <a:defRPr sz="1046"/>
             </a:lvl2pPr>
-            <a:lvl3pPr marL="685800" indent="0">
-              <a:buNone/>
-              <a:defRPr sz="900"/>
+            <a:lvl3pPr marL="682874" indent="0">
+              <a:buNone/>
+              <a:defRPr sz="896"/>
             </a:lvl3pPr>
-            <a:lvl4pPr marL="1028700" indent="0">
-              <a:buNone/>
-              <a:defRPr sz="750"/>
+            <a:lvl4pPr marL="1024311" indent="0">
+              <a:buNone/>
+              <a:defRPr sz="747"/>
             </a:lvl4pPr>
-            <a:lvl5pPr marL="1371600" indent="0">
-              <a:buNone/>
-              <a:defRPr sz="750"/>
+            <a:lvl5pPr marL="1365748" indent="0">
+              <a:buNone/>
+              <a:defRPr sz="747"/>
             </a:lvl5pPr>
-            <a:lvl6pPr marL="1714500" indent="0">
-              <a:buNone/>
-              <a:defRPr sz="750"/>
+            <a:lvl6pPr marL="1707185" indent="0">
+              <a:buNone/>
+              <a:defRPr sz="747"/>
             </a:lvl6pPr>
-            <a:lvl7pPr marL="2057400" indent="0">
-              <a:buNone/>
-              <a:defRPr sz="750"/>
+            <a:lvl7pPr marL="2048622" indent="0">
+              <a:buNone/>
+              <a:defRPr sz="747"/>
             </a:lvl7pPr>
-            <a:lvl8pPr marL="2400300" indent="0">
-              <a:buNone/>
-              <a:defRPr sz="750"/>
+            <a:lvl8pPr marL="2390059" indent="0">
+              <a:buNone/>
+              <a:defRPr sz="747"/>
             </a:lvl8pPr>
-            <a:lvl9pPr marL="2743200" indent="0">
-              <a:buNone/>
-              <a:defRPr sz="750"/>
+            <a:lvl9pPr marL="2731496" indent="0">
+              <a:buNone/>
+              <a:defRPr sz="747"/>
             </a:lvl9pPr>
           </a:lstStyle>
           <a:p>
@@ -2096,7 +2096,7 @@
           <a:p>
             <a:fld id="{401E1E6C-EA39-C04F-8BD7-24F3AA3999CD}" type="datetimeFigureOut">
               <a:rPr lang="en-US" smtClean="0"/>
-              <a:t>9/11/20</a:t>
+              <a:t>10/13/20</a:t>
             </a:fld>
             <a:endParaRPr lang="en-US"/>
           </a:p>
@@ -2147,7 +2147,7 @@
     </p:spTree>
     <p:extLst>
       <p:ext uri="{BB962C8B-B14F-4D97-AF65-F5344CB8AC3E}">
-        <p14:creationId xmlns:p14="http://schemas.microsoft.com/office/powerpoint/2010/main" val="113540754"/>
+        <p14:creationId xmlns:p14="http://schemas.microsoft.com/office/powerpoint/2010/main" val="2210558449"/>
       </p:ext>
     </p:extLst>
   </p:cSld>
@@ -2186,15 +2186,15 @@
         </p:nvSpPr>
         <p:spPr>
           <a:xfrm>
-            <a:off x="472381" y="441960"/>
-            <a:ext cx="2211884" cy="1546860"/>
+            <a:off x="472381" y="341418"/>
+            <a:ext cx="2211884" cy="1194964"/>
           </a:xfrm>
         </p:spPr>
         <p:txBody>
           <a:bodyPr anchor="b"/>
           <a:lstStyle>
             <a:lvl1pPr>
-              <a:defRPr sz="2400"/>
+              <a:defRPr sz="2390"/>
             </a:lvl1pPr>
           </a:lstStyle>
           <a:p>
@@ -2218,8 +2218,8 @@
         </p:nvSpPr>
         <p:spPr>
           <a:xfrm>
-            <a:off x="2915543" y="954512"/>
-            <a:ext cx="3471863" cy="4711171"/>
+            <a:off x="2915543" y="737370"/>
+            <a:ext cx="3471863" cy="3639425"/>
           </a:xfrm>
         </p:spPr>
         <p:txBody>
@@ -2227,39 +2227,39 @@
           <a:lstStyle>
             <a:lvl1pPr marL="0" indent="0">
               <a:buNone/>
-              <a:defRPr sz="2400"/>
+              <a:defRPr sz="2390"/>
             </a:lvl1pPr>
-            <a:lvl2pPr marL="342900" indent="0">
-              <a:buNone/>
-              <a:defRPr sz="2100"/>
+            <a:lvl2pPr marL="341437" indent="0">
+              <a:buNone/>
+              <a:defRPr sz="2091"/>
             </a:lvl2pPr>
-            <a:lvl3pPr marL="685800" indent="0">
-              <a:buNone/>
-              <a:defRPr sz="1800"/>
+            <a:lvl3pPr marL="682874" indent="0">
+              <a:buNone/>
+              <a:defRPr sz="1792"/>
             </a:lvl3pPr>
-            <a:lvl4pPr marL="1028700" indent="0">
-              <a:buNone/>
-              <a:defRPr sz="1500"/>
+            <a:lvl4pPr marL="1024311" indent="0">
+              <a:buNone/>
+              <a:defRPr sz="1494"/>
             </a:lvl4pPr>
-            <a:lvl5pPr marL="1371600" indent="0">
-              <a:buNone/>
-              <a:defRPr sz="1500"/>
+            <a:lvl5pPr marL="1365748" indent="0">
+              <a:buNone/>
+              <a:defRPr sz="1494"/>
             </a:lvl5pPr>
-            <a:lvl6pPr marL="1714500" indent="0">
-              <a:buNone/>
-              <a:defRPr sz="1500"/>
+            <a:lvl6pPr marL="1707185" indent="0">
+              <a:buNone/>
+              <a:defRPr sz="1494"/>
             </a:lvl6pPr>
-            <a:lvl7pPr marL="2057400" indent="0">
-              <a:buNone/>
-              <a:defRPr sz="1500"/>
+            <a:lvl7pPr marL="2048622" indent="0">
+              <a:buNone/>
+              <a:defRPr sz="1494"/>
             </a:lvl7pPr>
-            <a:lvl8pPr marL="2400300" indent="0">
-              <a:buNone/>
-              <a:defRPr sz="1500"/>
+            <a:lvl8pPr marL="2390059" indent="0">
+              <a:buNone/>
+              <a:defRPr sz="1494"/>
             </a:lvl8pPr>
-            <a:lvl9pPr marL="2743200" indent="0">
-              <a:buNone/>
-              <a:defRPr sz="1500"/>
+            <a:lvl9pPr marL="2731496" indent="0">
+              <a:buNone/>
+              <a:defRPr sz="1494"/>
             </a:lvl9pPr>
           </a:lstStyle>
           <a:p>
@@ -2283,8 +2283,8 @@
         </p:nvSpPr>
         <p:spPr>
           <a:xfrm>
-            <a:off x="472381" y="1988820"/>
-            <a:ext cx="2211884" cy="3684535"/>
+            <a:off x="472381" y="1536382"/>
+            <a:ext cx="2211884" cy="2846339"/>
           </a:xfrm>
         </p:spPr>
         <p:txBody>
@@ -2292,39 +2292,39 @@
           <a:lstStyle>
             <a:lvl1pPr marL="0" indent="0">
               <a:buNone/>
-              <a:defRPr sz="1200"/>
+              <a:defRPr sz="1195"/>
             </a:lvl1pPr>
-            <a:lvl2pPr marL="342900" indent="0">
-              <a:buNone/>
-              <a:defRPr sz="1050"/>
+            <a:lvl2pPr marL="341437" indent="0">
+              <a:buNone/>
+              <a:defRPr sz="1046"/>
             </a:lvl2pPr>
-            <a:lvl3pPr marL="685800" indent="0">
-              <a:buNone/>
-              <a:defRPr sz="900"/>
+            <a:lvl3pPr marL="682874" indent="0">
+              <a:buNone/>
+              <a:defRPr sz="896"/>
             </a:lvl3pPr>
-            <a:lvl4pPr marL="1028700" indent="0">
-              <a:buNone/>
-              <a:defRPr sz="750"/>
+            <a:lvl4pPr marL="1024311" indent="0">
+              <a:buNone/>
+              <a:defRPr sz="747"/>
             </a:lvl4pPr>
-            <a:lvl5pPr marL="1371600" indent="0">
-              <a:buNone/>
-              <a:defRPr sz="750"/>
+            <a:lvl5pPr marL="1365748" indent="0">
+              <a:buNone/>
+              <a:defRPr sz="747"/>
             </a:lvl5pPr>
-            <a:lvl6pPr marL="1714500" indent="0">
-              <a:buNone/>
-              <a:defRPr sz="750"/>
+            <a:lvl6pPr marL="1707185" indent="0">
+              <a:buNone/>
+              <a:defRPr sz="747"/>
             </a:lvl6pPr>
-            <a:lvl7pPr marL="2057400" indent="0">
-              <a:buNone/>
-              <a:defRPr sz="750"/>
+            <a:lvl7pPr marL="2048622" indent="0">
+              <a:buNone/>
+              <a:defRPr sz="747"/>
             </a:lvl7pPr>
-            <a:lvl8pPr marL="2400300" indent="0">
-              <a:buNone/>
-              <a:defRPr sz="750"/>
+            <a:lvl8pPr marL="2390059" indent="0">
+              <a:buNone/>
+              <a:defRPr sz="747"/>
             </a:lvl8pPr>
-            <a:lvl9pPr marL="2743200" indent="0">
-              <a:buNone/>
-              <a:defRPr sz="750"/>
+            <a:lvl9pPr marL="2731496" indent="0">
+              <a:buNone/>
+              <a:defRPr sz="747"/>
             </a:lvl9pPr>
           </a:lstStyle>
           <a:p>
@@ -2353,7 +2353,7 @@
           <a:p>
             <a:fld id="{401E1E6C-EA39-C04F-8BD7-24F3AA3999CD}" type="datetimeFigureOut">
               <a:rPr lang="en-US" smtClean="0"/>
-              <a:t>9/11/20</a:t>
+              <a:t>10/13/20</a:t>
             </a:fld>
             <a:endParaRPr lang="en-US"/>
           </a:p>
@@ -2404,7 +2404,7 @@
     </p:spTree>
     <p:extLst>
       <p:ext uri="{BB962C8B-B14F-4D97-AF65-F5344CB8AC3E}">
-        <p14:creationId xmlns:p14="http://schemas.microsoft.com/office/powerpoint/2010/main" val="3380703074"/>
+        <p14:creationId xmlns:p14="http://schemas.microsoft.com/office/powerpoint/2010/main" val="162891722"/>
       </p:ext>
     </p:extLst>
   </p:cSld>
@@ -2448,8 +2448,8 @@
         </p:nvSpPr>
         <p:spPr>
           <a:xfrm>
-            <a:off x="471488" y="352955"/>
-            <a:ext cx="5915025" cy="1281378"/>
+            <a:off x="471488" y="272662"/>
+            <a:ext cx="5915025" cy="989876"/>
           </a:xfrm>
           <a:prstGeom prst="rect">
             <a:avLst/>
@@ -2481,8 +2481,8 @@
         </p:nvSpPr>
         <p:spPr>
           <a:xfrm>
-            <a:off x="471488" y="1764771"/>
-            <a:ext cx="5915025" cy="4206293"/>
+            <a:off x="471488" y="1363302"/>
+            <a:ext cx="5915025" cy="3249402"/>
           </a:xfrm>
           <a:prstGeom prst="rect">
             <a:avLst/>
@@ -2543,8 +2543,8 @@
         </p:nvSpPr>
         <p:spPr>
           <a:xfrm>
-            <a:off x="471488" y="6144473"/>
-            <a:ext cx="1543050" cy="352954"/>
+            <a:off x="471488" y="4746665"/>
+            <a:ext cx="1543050" cy="272660"/>
           </a:xfrm>
           <a:prstGeom prst="rect">
             <a:avLst/>
@@ -2554,7 +2554,7 @@
           <a:bodyPr vert="horz" lIns="91440" tIns="45720" rIns="91440" bIns="45720" rtlCol="0" anchor="ctr"/>
           <a:lstStyle>
             <a:lvl1pPr algn="l">
-              <a:defRPr sz="900">
+              <a:defRPr sz="896">
                 <a:solidFill>
                   <a:schemeClr val="tx1">
                     <a:tint val="75000"/>
@@ -2566,7 +2566,7 @@
           <a:p>
             <a:fld id="{401E1E6C-EA39-C04F-8BD7-24F3AA3999CD}" type="datetimeFigureOut">
               <a:rPr lang="en-US" smtClean="0"/>
-              <a:t>9/11/20</a:t>
+              <a:t>10/13/20</a:t>
             </a:fld>
             <a:endParaRPr lang="en-US"/>
           </a:p>
@@ -2584,8 +2584,8 @@
         </p:nvSpPr>
         <p:spPr>
           <a:xfrm>
-            <a:off x="2271713" y="6144473"/>
-            <a:ext cx="2314575" cy="352954"/>
+            <a:off x="2271713" y="4746665"/>
+            <a:ext cx="2314575" cy="272660"/>
           </a:xfrm>
           <a:prstGeom prst="rect">
             <a:avLst/>
@@ -2595,7 +2595,7 @@
           <a:bodyPr vert="horz" lIns="91440" tIns="45720" rIns="91440" bIns="45720" rtlCol="0" anchor="ctr"/>
           <a:lstStyle>
             <a:lvl1pPr algn="ctr">
-              <a:defRPr sz="900">
+              <a:defRPr sz="896">
                 <a:solidFill>
                   <a:schemeClr val="tx1">
                     <a:tint val="75000"/>
@@ -2621,8 +2621,8 @@
         </p:nvSpPr>
         <p:spPr>
           <a:xfrm>
-            <a:off x="4843463" y="6144473"/>
-            <a:ext cx="1543050" cy="352954"/>
+            <a:off x="4843463" y="4746665"/>
+            <a:ext cx="1543050" cy="272660"/>
           </a:xfrm>
           <a:prstGeom prst="rect">
             <a:avLst/>
@@ -2632,7 +2632,7 @@
           <a:bodyPr vert="horz" lIns="91440" tIns="45720" rIns="91440" bIns="45720" rtlCol="0" anchor="ctr"/>
           <a:lstStyle>
             <a:lvl1pPr algn="r">
-              <a:defRPr sz="900">
+              <a:defRPr sz="896">
                 <a:solidFill>
                   <a:schemeClr val="tx1">
                     <a:tint val="75000"/>
@@ -2653,27 +2653,27 @@
     </p:spTree>
     <p:extLst>
       <p:ext uri="{BB962C8B-B14F-4D97-AF65-F5344CB8AC3E}">
-        <p14:creationId xmlns:p14="http://schemas.microsoft.com/office/powerpoint/2010/main" val="843146705"/>
+        <p14:creationId xmlns:p14="http://schemas.microsoft.com/office/powerpoint/2010/main" val="3876114615"/>
       </p:ext>
     </p:extLst>
   </p:cSld>
   <p:clrMap bg1="lt1" tx1="dk1" bg2="lt2" tx2="dk2" accent1="accent1" accent2="accent2" accent3="accent3" accent4="accent4" accent5="accent5" accent6="accent6" hlink="hlink" folHlink="folHlink"/>
   <p:sldLayoutIdLst>
-    <p:sldLayoutId id="2147483661" r:id="rId1"/>
-    <p:sldLayoutId id="2147483662" r:id="rId2"/>
-    <p:sldLayoutId id="2147483663" r:id="rId3"/>
-    <p:sldLayoutId id="2147483664" r:id="rId4"/>
-    <p:sldLayoutId id="2147483665" r:id="rId5"/>
-    <p:sldLayoutId id="2147483666" r:id="rId6"/>
-    <p:sldLayoutId id="2147483667" r:id="rId7"/>
-    <p:sldLayoutId id="2147483668" r:id="rId8"/>
-    <p:sldLayoutId id="2147483669" r:id="rId9"/>
-    <p:sldLayoutId id="2147483670" r:id="rId10"/>
-    <p:sldLayoutId id="2147483671" r:id="rId11"/>
+    <p:sldLayoutId id="2147483697" r:id="rId1"/>
+    <p:sldLayoutId id="2147483698" r:id="rId2"/>
+    <p:sldLayoutId id="2147483699" r:id="rId3"/>
+    <p:sldLayoutId id="2147483700" r:id="rId4"/>
+    <p:sldLayoutId id="2147483701" r:id="rId5"/>
+    <p:sldLayoutId id="2147483702" r:id="rId6"/>
+    <p:sldLayoutId id="2147483703" r:id="rId7"/>
+    <p:sldLayoutId id="2147483704" r:id="rId8"/>
+    <p:sldLayoutId id="2147483705" r:id="rId9"/>
+    <p:sldLayoutId id="2147483706" r:id="rId10"/>
+    <p:sldLayoutId id="2147483707" r:id="rId11"/>
   </p:sldLayoutIdLst>
   <p:txStyles>
     <p:titleStyle>
-      <a:lvl1pPr algn="l" defTabSz="685800" rtl="0" eaLnBrk="1" latinLnBrk="0" hangingPunct="1">
+      <a:lvl1pPr algn="l" defTabSz="682874" rtl="0" eaLnBrk="1" latinLnBrk="0" hangingPunct="1">
         <a:lnSpc>
           <a:spcPct val="90000"/>
         </a:lnSpc>
@@ -2681,7 +2681,7 @@
           <a:spcPct val="0"/>
         </a:spcBef>
         <a:buNone/>
-        <a:defRPr sz="3300" kern="1200">
+        <a:defRPr sz="3286" kern="1200">
           <a:solidFill>
             <a:schemeClr val="tx1"/>
           </a:solidFill>
@@ -2692,16 +2692,16 @@
       </a:lvl1pPr>
     </p:titleStyle>
     <p:bodyStyle>
-      <a:lvl1pPr marL="171450" indent="-171450" algn="l" defTabSz="685800" rtl="0" eaLnBrk="1" latinLnBrk="0" hangingPunct="1">
+      <a:lvl1pPr marL="170718" indent="-170718" algn="l" defTabSz="682874" rtl="0" eaLnBrk="1" latinLnBrk="0" hangingPunct="1">
         <a:lnSpc>
           <a:spcPct val="90000"/>
         </a:lnSpc>
         <a:spcBef>
-          <a:spcPts val="750"/>
+          <a:spcPts val="747"/>
         </a:spcBef>
         <a:buFont typeface="Arial" panose="020B0604020202020204" pitchFamily="34" charset="0"/>
         <a:buChar char="•"/>
-        <a:defRPr sz="2100" kern="1200">
+        <a:defRPr sz="2091" kern="1200">
           <a:solidFill>
             <a:schemeClr val="tx1"/>
           </a:solidFill>
@@ -2710,16 +2710,16 @@
           <a:cs typeface="+mn-cs"/>
         </a:defRPr>
       </a:lvl1pPr>
-      <a:lvl2pPr marL="514350" indent="-171450" algn="l" defTabSz="685800" rtl="0" eaLnBrk="1" latinLnBrk="0" hangingPunct="1">
+      <a:lvl2pPr marL="512155" indent="-170718" algn="l" defTabSz="682874" rtl="0" eaLnBrk="1" latinLnBrk="0" hangingPunct="1">
         <a:lnSpc>
           <a:spcPct val="90000"/>
         </a:lnSpc>
         <a:spcBef>
-          <a:spcPts val="375"/>
+          <a:spcPts val="373"/>
         </a:spcBef>
         <a:buFont typeface="Arial" panose="020B0604020202020204" pitchFamily="34" charset="0"/>
         <a:buChar char="•"/>
-        <a:defRPr sz="1800" kern="1200">
+        <a:defRPr sz="1792" kern="1200">
           <a:solidFill>
             <a:schemeClr val="tx1"/>
           </a:solidFill>
@@ -2728,16 +2728,16 @@
           <a:cs typeface="+mn-cs"/>
         </a:defRPr>
       </a:lvl2pPr>
-      <a:lvl3pPr marL="857250" indent="-171450" algn="l" defTabSz="685800" rtl="0" eaLnBrk="1" latinLnBrk="0" hangingPunct="1">
+      <a:lvl3pPr marL="853592" indent="-170718" algn="l" defTabSz="682874" rtl="0" eaLnBrk="1" latinLnBrk="0" hangingPunct="1">
         <a:lnSpc>
           <a:spcPct val="90000"/>
         </a:lnSpc>
         <a:spcBef>
-          <a:spcPts val="375"/>
+          <a:spcPts val="373"/>
         </a:spcBef>
         <a:buFont typeface="Arial" panose="020B0604020202020204" pitchFamily="34" charset="0"/>
         <a:buChar char="•"/>
-        <a:defRPr sz="1500" kern="1200">
+        <a:defRPr sz="1494" kern="1200">
           <a:solidFill>
             <a:schemeClr val="tx1"/>
           </a:solidFill>
@@ -2746,16 +2746,16 @@
           <a:cs typeface="+mn-cs"/>
         </a:defRPr>
       </a:lvl3pPr>
-      <a:lvl4pPr marL="1200150" indent="-171450" algn="l" defTabSz="685800" rtl="0" eaLnBrk="1" latinLnBrk="0" hangingPunct="1">
+      <a:lvl4pPr marL="1195029" indent="-170718" algn="l" defTabSz="682874" rtl="0" eaLnBrk="1" latinLnBrk="0" hangingPunct="1">
         <a:lnSpc>
           <a:spcPct val="90000"/>
         </a:lnSpc>
         <a:spcBef>
-          <a:spcPts val="375"/>
+          <a:spcPts val="373"/>
         </a:spcBef>
         <a:buFont typeface="Arial" panose="020B0604020202020204" pitchFamily="34" charset="0"/>
         <a:buChar char="•"/>
-        <a:defRPr sz="1350" kern="1200">
+        <a:defRPr sz="1344" kern="1200">
           <a:solidFill>
             <a:schemeClr val="tx1"/>
           </a:solidFill>
@@ -2764,16 +2764,16 @@
           <a:cs typeface="+mn-cs"/>
         </a:defRPr>
       </a:lvl4pPr>
-      <a:lvl5pPr marL="1543050" indent="-171450" algn="l" defTabSz="685800" rtl="0" eaLnBrk="1" latinLnBrk="0" hangingPunct="1">
+      <a:lvl5pPr marL="1536466" indent="-170718" algn="l" defTabSz="682874" rtl="0" eaLnBrk="1" latinLnBrk="0" hangingPunct="1">
         <a:lnSpc>
           <a:spcPct val="90000"/>
         </a:lnSpc>
         <a:spcBef>
-          <a:spcPts val="375"/>
+          <a:spcPts val="373"/>
         </a:spcBef>
         <a:buFont typeface="Arial" panose="020B0604020202020204" pitchFamily="34" charset="0"/>
         <a:buChar char="•"/>
-        <a:defRPr sz="1350" kern="1200">
+        <a:defRPr sz="1344" kern="1200">
           <a:solidFill>
             <a:schemeClr val="tx1"/>
           </a:solidFill>
@@ -2782,16 +2782,16 @@
           <a:cs typeface="+mn-cs"/>
         </a:defRPr>
       </a:lvl5pPr>
-      <a:lvl6pPr marL="1885950" indent="-171450" algn="l" defTabSz="685800" rtl="0" eaLnBrk="1" latinLnBrk="0" hangingPunct="1">
+      <a:lvl6pPr marL="1877903" indent="-170718" algn="l" defTabSz="682874" rtl="0" eaLnBrk="1" latinLnBrk="0" hangingPunct="1">
         <a:lnSpc>
           <a:spcPct val="90000"/>
         </a:lnSpc>
         <a:spcBef>
-          <a:spcPts val="375"/>
+          <a:spcPts val="373"/>
         </a:spcBef>
         <a:buFont typeface="Arial" panose="020B0604020202020204" pitchFamily="34" charset="0"/>
         <a:buChar char="•"/>
-        <a:defRPr sz="1350" kern="1200">
+        <a:defRPr sz="1344" kern="1200">
           <a:solidFill>
             <a:schemeClr val="tx1"/>
           </a:solidFill>
@@ -2800,16 +2800,16 @@
           <a:cs typeface="+mn-cs"/>
         </a:defRPr>
       </a:lvl6pPr>
-      <a:lvl7pPr marL="2228850" indent="-171450" algn="l" defTabSz="685800" rtl="0" eaLnBrk="1" latinLnBrk="0" hangingPunct="1">
+      <a:lvl7pPr marL="2219340" indent="-170718" algn="l" defTabSz="682874" rtl="0" eaLnBrk="1" latinLnBrk="0" hangingPunct="1">
         <a:lnSpc>
           <a:spcPct val="90000"/>
         </a:lnSpc>
         <a:spcBef>
-          <a:spcPts val="375"/>
+          <a:spcPts val="373"/>
         </a:spcBef>
         <a:buFont typeface="Arial" panose="020B0604020202020204" pitchFamily="34" charset="0"/>
         <a:buChar char="•"/>
-        <a:defRPr sz="1350" kern="1200">
+        <a:defRPr sz="1344" kern="1200">
           <a:solidFill>
             <a:schemeClr val="tx1"/>
           </a:solidFill>
@@ -2818,16 +2818,16 @@
           <a:cs typeface="+mn-cs"/>
         </a:defRPr>
       </a:lvl7pPr>
-      <a:lvl8pPr marL="2571750" indent="-171450" algn="l" defTabSz="685800" rtl="0" eaLnBrk="1" latinLnBrk="0" hangingPunct="1">
+      <a:lvl8pPr marL="2560777" indent="-170718" algn="l" defTabSz="682874" rtl="0" eaLnBrk="1" latinLnBrk="0" hangingPunct="1">
         <a:lnSpc>
           <a:spcPct val="90000"/>
         </a:lnSpc>
         <a:spcBef>
-          <a:spcPts val="375"/>
+          <a:spcPts val="373"/>
         </a:spcBef>
         <a:buFont typeface="Arial" panose="020B0604020202020204" pitchFamily="34" charset="0"/>
         <a:buChar char="•"/>
-        <a:defRPr sz="1350" kern="1200">
+        <a:defRPr sz="1344" kern="1200">
           <a:solidFill>
             <a:schemeClr val="tx1"/>
           </a:solidFill>
@@ -2836,16 +2836,16 @@
           <a:cs typeface="+mn-cs"/>
         </a:defRPr>
       </a:lvl8pPr>
-      <a:lvl9pPr marL="2914650" indent="-171450" algn="l" defTabSz="685800" rtl="0" eaLnBrk="1" latinLnBrk="0" hangingPunct="1">
+      <a:lvl9pPr marL="2902214" indent="-170718" algn="l" defTabSz="682874" rtl="0" eaLnBrk="1" latinLnBrk="0" hangingPunct="1">
         <a:lnSpc>
           <a:spcPct val="90000"/>
         </a:lnSpc>
         <a:spcBef>
-          <a:spcPts val="375"/>
+          <a:spcPts val="373"/>
         </a:spcBef>
         <a:buFont typeface="Arial" panose="020B0604020202020204" pitchFamily="34" charset="0"/>
         <a:buChar char="•"/>
-        <a:defRPr sz="1350" kern="1200">
+        <a:defRPr sz="1344" kern="1200">
           <a:solidFill>
             <a:schemeClr val="tx1"/>
           </a:solidFill>
@@ -2859,8 +2859,8 @@
       <a:defPPr>
         <a:defRPr lang="en-US"/>
       </a:defPPr>
-      <a:lvl1pPr marL="0" algn="l" defTabSz="685800" rtl="0" eaLnBrk="1" latinLnBrk="0" hangingPunct="1">
-        <a:defRPr sz="1350" kern="1200">
+      <a:lvl1pPr marL="0" algn="l" defTabSz="682874" rtl="0" eaLnBrk="1" latinLnBrk="0" hangingPunct="1">
+        <a:defRPr sz="1344" kern="1200">
           <a:solidFill>
             <a:schemeClr val="tx1"/>
           </a:solidFill>
@@ -2869,8 +2869,8 @@
           <a:cs typeface="+mn-cs"/>
         </a:defRPr>
       </a:lvl1pPr>
-      <a:lvl2pPr marL="342900" algn="l" defTabSz="685800" rtl="0" eaLnBrk="1" latinLnBrk="0" hangingPunct="1">
-        <a:defRPr sz="1350" kern="1200">
+      <a:lvl2pPr marL="341437" algn="l" defTabSz="682874" rtl="0" eaLnBrk="1" latinLnBrk="0" hangingPunct="1">
+        <a:defRPr sz="1344" kern="1200">
           <a:solidFill>
             <a:schemeClr val="tx1"/>
           </a:solidFill>
@@ -2879,8 +2879,8 @@
           <a:cs typeface="+mn-cs"/>
         </a:defRPr>
       </a:lvl2pPr>
-      <a:lvl3pPr marL="685800" algn="l" defTabSz="685800" rtl="0" eaLnBrk="1" latinLnBrk="0" hangingPunct="1">
-        <a:defRPr sz="1350" kern="1200">
+      <a:lvl3pPr marL="682874" algn="l" defTabSz="682874" rtl="0" eaLnBrk="1" latinLnBrk="0" hangingPunct="1">
+        <a:defRPr sz="1344" kern="1200">
           <a:solidFill>
             <a:schemeClr val="tx1"/>
           </a:solidFill>
@@ -2889,8 +2889,8 @@
           <a:cs typeface="+mn-cs"/>
         </a:defRPr>
       </a:lvl3pPr>
-      <a:lvl4pPr marL="1028700" algn="l" defTabSz="685800" rtl="0" eaLnBrk="1" latinLnBrk="0" hangingPunct="1">
-        <a:defRPr sz="1350" kern="1200">
+      <a:lvl4pPr marL="1024311" algn="l" defTabSz="682874" rtl="0" eaLnBrk="1" latinLnBrk="0" hangingPunct="1">
+        <a:defRPr sz="1344" kern="1200">
           <a:solidFill>
             <a:schemeClr val="tx1"/>
           </a:solidFill>
@@ -2899,8 +2899,8 @@
           <a:cs typeface="+mn-cs"/>
         </a:defRPr>
       </a:lvl4pPr>
-      <a:lvl5pPr marL="1371600" algn="l" defTabSz="685800" rtl="0" eaLnBrk="1" latinLnBrk="0" hangingPunct="1">
-        <a:defRPr sz="1350" kern="1200">
+      <a:lvl5pPr marL="1365748" algn="l" defTabSz="682874" rtl="0" eaLnBrk="1" latinLnBrk="0" hangingPunct="1">
+        <a:defRPr sz="1344" kern="1200">
           <a:solidFill>
             <a:schemeClr val="tx1"/>
           </a:solidFill>
@@ -2909,8 +2909,8 @@
           <a:cs typeface="+mn-cs"/>
         </a:defRPr>
       </a:lvl5pPr>
-      <a:lvl6pPr marL="1714500" algn="l" defTabSz="685800" rtl="0" eaLnBrk="1" latinLnBrk="0" hangingPunct="1">
-        <a:defRPr sz="1350" kern="1200">
+      <a:lvl6pPr marL="1707185" algn="l" defTabSz="682874" rtl="0" eaLnBrk="1" latinLnBrk="0" hangingPunct="1">
+        <a:defRPr sz="1344" kern="1200">
           <a:solidFill>
             <a:schemeClr val="tx1"/>
           </a:solidFill>
@@ -2919,8 +2919,8 @@
           <a:cs typeface="+mn-cs"/>
         </a:defRPr>
       </a:lvl6pPr>
-      <a:lvl7pPr marL="2057400" algn="l" defTabSz="685800" rtl="0" eaLnBrk="1" latinLnBrk="0" hangingPunct="1">
-        <a:defRPr sz="1350" kern="1200">
+      <a:lvl7pPr marL="2048622" algn="l" defTabSz="682874" rtl="0" eaLnBrk="1" latinLnBrk="0" hangingPunct="1">
+        <a:defRPr sz="1344" kern="1200">
           <a:solidFill>
             <a:schemeClr val="tx1"/>
           </a:solidFill>
@@ -2929,8 +2929,8 @@
           <a:cs typeface="+mn-cs"/>
         </a:defRPr>
       </a:lvl7pPr>
-      <a:lvl8pPr marL="2400300" algn="l" defTabSz="685800" rtl="0" eaLnBrk="1" latinLnBrk="0" hangingPunct="1">
-        <a:defRPr sz="1350" kern="1200">
+      <a:lvl8pPr marL="2390059" algn="l" defTabSz="682874" rtl="0" eaLnBrk="1" latinLnBrk="0" hangingPunct="1">
+        <a:defRPr sz="1344" kern="1200">
           <a:solidFill>
             <a:schemeClr val="tx1"/>
           </a:solidFill>
@@ -2939,8 +2939,8 @@
           <a:cs typeface="+mn-cs"/>
         </a:defRPr>
       </a:lvl8pPr>
-      <a:lvl9pPr marL="2743200" algn="l" defTabSz="685800" rtl="0" eaLnBrk="1" latinLnBrk="0" hangingPunct="1">
-        <a:defRPr sz="1350" kern="1200">
+      <a:lvl9pPr marL="2731496" algn="l" defTabSz="682874" rtl="0" eaLnBrk="1" latinLnBrk="0" hangingPunct="1">
+        <a:defRPr sz="1344" kern="1200">
           <a:solidFill>
             <a:schemeClr val="tx1"/>
           </a:solidFill>
@@ -2987,13 +2987,13 @@
         </p:nvPicPr>
         <p:blipFill rotWithShape="1">
           <a:blip r:embed="rId2"/>
-          <a:srcRect b="3600"/>
+          <a:srcRect l="3805" b="52584"/>
           <a:stretch/>
         </p:blipFill>
         <p:spPr>
           <a:xfrm>
-            <a:off x="189941" y="110432"/>
-            <a:ext cx="6556549" cy="6390729"/>
+            <a:off x="429997" y="69138"/>
+            <a:ext cx="6307103" cy="3143407"/>
           </a:xfrm>
           <a:prstGeom prst="rect">
             <a:avLst/>
@@ -3014,7 +3014,7 @@
         </p:nvSpPr>
         <p:spPr>
           <a:xfrm>
-            <a:off x="1939142" y="85031"/>
+            <a:off x="1929749" y="43736"/>
             <a:ext cx="696024" cy="338554"/>
           </a:xfrm>
           <a:prstGeom prst="rect">
@@ -3057,7 +3057,7 @@
         </p:nvSpPr>
         <p:spPr>
           <a:xfrm>
-            <a:off x="5261291" y="85031"/>
+            <a:off x="5251898" y="43736"/>
             <a:ext cx="434734" cy="338554"/>
           </a:xfrm>
           <a:prstGeom prst="rect">
@@ -3086,6 +3086,78 @@
           </a:p>
         </p:txBody>
       </p:sp>
+      <p:pic>
+        <p:nvPicPr>
+          <p:cNvPr id="10" name="Picture 9">
+            <a:extLst>
+              <a:ext uri="{FF2B5EF4-FFF2-40B4-BE49-F238E27FC236}">
+                <a16:creationId xmlns:a16="http://schemas.microsoft.com/office/drawing/2014/main" id="{2A8F8540-835D-314E-8DC3-3A27EAF08013}"/>
+              </a:ext>
+            </a:extLst>
+          </p:cNvPr>
+          <p:cNvPicPr>
+            <a:picLocks noChangeAspect="1"/>
+          </p:cNvPicPr>
+          <p:nvPr/>
+        </p:nvPicPr>
+        <p:blipFill rotWithShape="1">
+          <a:blip r:embed="rId2"/>
+          <a:srcRect l="3805" t="75565" b="3600"/>
+          <a:stretch/>
+        </p:blipFill>
+        <p:spPr>
+          <a:xfrm>
+            <a:off x="429997" y="3553114"/>
+            <a:ext cx="6307103" cy="1381246"/>
+          </a:xfrm>
+          <a:prstGeom prst="rect">
+            <a:avLst/>
+          </a:prstGeom>
+        </p:spPr>
+      </p:pic>
+      <p:sp>
+        <p:nvSpPr>
+          <p:cNvPr id="11" name="TextBox 10">
+            <a:extLst>
+              <a:ext uri="{FF2B5EF4-FFF2-40B4-BE49-F238E27FC236}">
+                <a16:creationId xmlns:a16="http://schemas.microsoft.com/office/drawing/2014/main" id="{03FB3531-078C-4547-957F-25BAC7042337}"/>
+              </a:ext>
+            </a:extLst>
+          </p:cNvPr>
+          <p:cNvSpPr txBox="1"/>
+          <p:nvPr/>
+        </p:nvSpPr>
+        <p:spPr>
+          <a:xfrm rot="16200000">
+            <a:off x="-1352865" y="2154874"/>
+            <a:ext cx="3227165" cy="338554"/>
+          </a:xfrm>
+          <a:prstGeom prst="rect">
+            <a:avLst/>
+          </a:prstGeom>
+          <a:solidFill>
+            <a:schemeClr val="bg1"/>
+          </a:solidFill>
+        </p:spPr>
+        <p:txBody>
+          <a:bodyPr wrap="none" rtlCol="0">
+            <a:spAutoFit/>
+          </a:bodyPr>
+          <a:lstStyle/>
+          <a:p>
+            <a:r>
+              <a:rPr lang="en-US" sz="1600" dirty="0">
+                <a:solidFill>
+                  <a:srgbClr val="262626"/>
+                </a:solidFill>
+                <a:latin typeface="Arial" panose="020B0604020202020204" pitchFamily="34" charset="0"/>
+                <a:cs typeface="Arial" panose="020B0604020202020204" pitchFamily="34" charset="0"/>
+              </a:rPr>
+              <a:t>Adaptive Substitutions per Codon</a:t>
+            </a:r>
+          </a:p>
+        </p:txBody>
+      </p:sp>
       <p:sp>
         <p:nvSpPr>
           <p:cNvPr id="8" name="Rectangle 7">
@@ -3100,7 +3172,7 @@
         </p:nvSpPr>
         <p:spPr>
           <a:xfrm>
-            <a:off x="5125036" y="3425132"/>
+            <a:off x="5115646" y="3383837"/>
             <a:ext cx="707245" cy="338554"/>
           </a:xfrm>
           <a:prstGeom prst="rect">
@@ -3143,7 +3215,7 @@
         </p:nvSpPr>
         <p:spPr>
           <a:xfrm>
-            <a:off x="2086617" y="3425132"/>
+            <a:off x="2077224" y="3383837"/>
             <a:ext cx="434734" cy="338554"/>
           </a:xfrm>
           <a:prstGeom prst="rect">

--- a/figures/figure_components/figure3.pptx
+++ b/figures/figure_components/figure3.pptx
@@ -2,19 +2,19 @@
 <file path=ppt/presentation.xml><?xml version="1.0" encoding="utf-8"?>
 <p:presentation xmlns:a="http://schemas.openxmlformats.org/drawingml/2006/main" xmlns:r="http://schemas.openxmlformats.org/officeDocument/2006/relationships" xmlns:p="http://schemas.openxmlformats.org/presentationml/2006/main" saveSubsetFonts="1" autoCompressPictures="0">
   <p:sldMasterIdLst>
-    <p:sldMasterId id="2147483696" r:id="rId1"/>
+    <p:sldMasterId id="2147483660" r:id="rId1"/>
   </p:sldMasterIdLst>
   <p:sldIdLst>
     <p:sldId id="256" r:id="rId2"/>
   </p:sldIdLst>
-  <p:sldSz cx="6858000" cy="5121275"/>
+  <p:sldSz cx="12192000" cy="4114800"/>
   <p:notesSz cx="6858000" cy="9144000"/>
   <p:defaultTextStyle>
     <a:defPPr>
       <a:defRPr lang="en-US"/>
     </a:defPPr>
-    <a:lvl1pPr marL="0" algn="l" defTabSz="647395" rtl="0" eaLnBrk="1" latinLnBrk="0" hangingPunct="1">
-      <a:defRPr sz="1274" kern="1200">
+    <a:lvl1pPr marL="0" algn="l" defTabSz="914400" rtl="0" eaLnBrk="1" latinLnBrk="0" hangingPunct="1">
+      <a:defRPr sz="1800" kern="1200">
         <a:solidFill>
           <a:schemeClr val="tx1"/>
         </a:solidFill>
@@ -23,8 +23,8 @@
         <a:cs typeface="+mn-cs"/>
       </a:defRPr>
     </a:lvl1pPr>
-    <a:lvl2pPr marL="323698" algn="l" defTabSz="647395" rtl="0" eaLnBrk="1" latinLnBrk="0" hangingPunct="1">
-      <a:defRPr sz="1274" kern="1200">
+    <a:lvl2pPr marL="457200" algn="l" defTabSz="914400" rtl="0" eaLnBrk="1" latinLnBrk="0" hangingPunct="1">
+      <a:defRPr sz="1800" kern="1200">
         <a:solidFill>
           <a:schemeClr val="tx1"/>
         </a:solidFill>
@@ -33,8 +33,8 @@
         <a:cs typeface="+mn-cs"/>
       </a:defRPr>
     </a:lvl2pPr>
-    <a:lvl3pPr marL="647395" algn="l" defTabSz="647395" rtl="0" eaLnBrk="1" latinLnBrk="0" hangingPunct="1">
-      <a:defRPr sz="1274" kern="1200">
+    <a:lvl3pPr marL="914400" algn="l" defTabSz="914400" rtl="0" eaLnBrk="1" latinLnBrk="0" hangingPunct="1">
+      <a:defRPr sz="1800" kern="1200">
         <a:solidFill>
           <a:schemeClr val="tx1"/>
         </a:solidFill>
@@ -43,8 +43,8 @@
         <a:cs typeface="+mn-cs"/>
       </a:defRPr>
     </a:lvl3pPr>
-    <a:lvl4pPr marL="971093" algn="l" defTabSz="647395" rtl="0" eaLnBrk="1" latinLnBrk="0" hangingPunct="1">
-      <a:defRPr sz="1274" kern="1200">
+    <a:lvl4pPr marL="1371600" algn="l" defTabSz="914400" rtl="0" eaLnBrk="1" latinLnBrk="0" hangingPunct="1">
+      <a:defRPr sz="1800" kern="1200">
         <a:solidFill>
           <a:schemeClr val="tx1"/>
         </a:solidFill>
@@ -53,8 +53,8 @@
         <a:cs typeface="+mn-cs"/>
       </a:defRPr>
     </a:lvl4pPr>
-    <a:lvl5pPr marL="1294790" algn="l" defTabSz="647395" rtl="0" eaLnBrk="1" latinLnBrk="0" hangingPunct="1">
-      <a:defRPr sz="1274" kern="1200">
+    <a:lvl5pPr marL="1828800" algn="l" defTabSz="914400" rtl="0" eaLnBrk="1" latinLnBrk="0" hangingPunct="1">
+      <a:defRPr sz="1800" kern="1200">
         <a:solidFill>
           <a:schemeClr val="tx1"/>
         </a:solidFill>
@@ -63,8 +63,8 @@
         <a:cs typeface="+mn-cs"/>
       </a:defRPr>
     </a:lvl5pPr>
-    <a:lvl6pPr marL="1618488" algn="l" defTabSz="647395" rtl="0" eaLnBrk="1" latinLnBrk="0" hangingPunct="1">
-      <a:defRPr sz="1274" kern="1200">
+    <a:lvl6pPr marL="2286000" algn="l" defTabSz="914400" rtl="0" eaLnBrk="1" latinLnBrk="0" hangingPunct="1">
+      <a:defRPr sz="1800" kern="1200">
         <a:solidFill>
           <a:schemeClr val="tx1"/>
         </a:solidFill>
@@ -73,8 +73,8 @@
         <a:cs typeface="+mn-cs"/>
       </a:defRPr>
     </a:lvl6pPr>
-    <a:lvl7pPr marL="1942186" algn="l" defTabSz="647395" rtl="0" eaLnBrk="1" latinLnBrk="0" hangingPunct="1">
-      <a:defRPr sz="1274" kern="1200">
+    <a:lvl7pPr marL="2743200" algn="l" defTabSz="914400" rtl="0" eaLnBrk="1" latinLnBrk="0" hangingPunct="1">
+      <a:defRPr sz="1800" kern="1200">
         <a:solidFill>
           <a:schemeClr val="tx1"/>
         </a:solidFill>
@@ -83,8 +83,8 @@
         <a:cs typeface="+mn-cs"/>
       </a:defRPr>
     </a:lvl7pPr>
-    <a:lvl8pPr marL="2265883" algn="l" defTabSz="647395" rtl="0" eaLnBrk="1" latinLnBrk="0" hangingPunct="1">
-      <a:defRPr sz="1274" kern="1200">
+    <a:lvl8pPr marL="3200400" algn="l" defTabSz="914400" rtl="0" eaLnBrk="1" latinLnBrk="0" hangingPunct="1">
+      <a:defRPr sz="1800" kern="1200">
         <a:solidFill>
           <a:schemeClr val="tx1"/>
         </a:solidFill>
@@ -93,8 +93,8 @@
         <a:cs typeface="+mn-cs"/>
       </a:defRPr>
     </a:lvl8pPr>
-    <a:lvl9pPr marL="2589581" algn="l" defTabSz="647395" rtl="0" eaLnBrk="1" latinLnBrk="0" hangingPunct="1">
-      <a:defRPr sz="1274" kern="1200">
+    <a:lvl9pPr marL="3657600" algn="l" defTabSz="914400" rtl="0" eaLnBrk="1" latinLnBrk="0" hangingPunct="1">
+      <a:defRPr sz="1800" kern="1200">
         <a:solidFill>
           <a:schemeClr val="tx1"/>
         </a:solidFill>
@@ -141,15 +141,15 @@
         </p:nvSpPr>
         <p:spPr>
           <a:xfrm>
-            <a:off x="514350" y="838135"/>
-            <a:ext cx="5829300" cy="1782962"/>
+            <a:off x="1524000" y="673418"/>
+            <a:ext cx="9144000" cy="1432560"/>
           </a:xfrm>
         </p:spPr>
         <p:txBody>
           <a:bodyPr anchor="b"/>
           <a:lstStyle>
             <a:lvl1pPr algn="ctr">
-              <a:defRPr sz="4481"/>
+              <a:defRPr sz="3600"/>
             </a:lvl1pPr>
           </a:lstStyle>
           <a:p>
@@ -173,8 +173,8 @@
         </p:nvSpPr>
         <p:spPr>
           <a:xfrm>
-            <a:off x="857250" y="2689855"/>
-            <a:ext cx="5143500" cy="1236456"/>
+            <a:off x="1524000" y="2161223"/>
+            <a:ext cx="9144000" cy="993457"/>
           </a:xfrm>
         </p:spPr>
         <p:txBody>
@@ -182,39 +182,39 @@
           <a:lstStyle>
             <a:lvl1pPr marL="0" indent="0" algn="ctr">
               <a:buNone/>
-              <a:defRPr sz="1792"/>
+              <a:defRPr sz="1440"/>
             </a:lvl1pPr>
-            <a:lvl2pPr marL="341437" indent="0" algn="ctr">
-              <a:buNone/>
-              <a:defRPr sz="1494"/>
+            <a:lvl2pPr marL="274320" indent="0" algn="ctr">
+              <a:buNone/>
+              <a:defRPr sz="1200"/>
             </a:lvl2pPr>
-            <a:lvl3pPr marL="682874" indent="0" algn="ctr">
-              <a:buNone/>
-              <a:defRPr sz="1344"/>
+            <a:lvl3pPr marL="548640" indent="0" algn="ctr">
+              <a:buNone/>
+              <a:defRPr sz="1080"/>
             </a:lvl3pPr>
-            <a:lvl4pPr marL="1024311" indent="0" algn="ctr">
-              <a:buNone/>
-              <a:defRPr sz="1195"/>
+            <a:lvl4pPr marL="822960" indent="0" algn="ctr">
+              <a:buNone/>
+              <a:defRPr sz="960"/>
             </a:lvl4pPr>
-            <a:lvl5pPr marL="1365748" indent="0" algn="ctr">
-              <a:buNone/>
-              <a:defRPr sz="1195"/>
+            <a:lvl5pPr marL="1097280" indent="0" algn="ctr">
+              <a:buNone/>
+              <a:defRPr sz="960"/>
             </a:lvl5pPr>
-            <a:lvl6pPr marL="1707185" indent="0" algn="ctr">
-              <a:buNone/>
-              <a:defRPr sz="1195"/>
+            <a:lvl6pPr marL="1371600" indent="0" algn="ctr">
+              <a:buNone/>
+              <a:defRPr sz="960"/>
             </a:lvl6pPr>
-            <a:lvl7pPr marL="2048622" indent="0" algn="ctr">
-              <a:buNone/>
-              <a:defRPr sz="1195"/>
+            <a:lvl7pPr marL="1645920" indent="0" algn="ctr">
+              <a:buNone/>
+              <a:defRPr sz="960"/>
             </a:lvl7pPr>
-            <a:lvl8pPr marL="2390059" indent="0" algn="ctr">
-              <a:buNone/>
-              <a:defRPr sz="1195"/>
+            <a:lvl8pPr marL="1920240" indent="0" algn="ctr">
+              <a:buNone/>
+              <a:defRPr sz="960"/>
             </a:lvl8pPr>
-            <a:lvl9pPr marL="2731496" indent="0" algn="ctr">
-              <a:buNone/>
-              <a:defRPr sz="1195"/>
+            <a:lvl9pPr marL="2194560" indent="0" algn="ctr">
+              <a:buNone/>
+              <a:defRPr sz="960"/>
             </a:lvl9pPr>
           </a:lstStyle>
           <a:p>
@@ -241,9 +241,9 @@
           <a:bodyPr/>
           <a:lstStyle/>
           <a:p>
-            <a:fld id="{401E1E6C-EA39-C04F-8BD7-24F3AA3999CD}" type="datetimeFigureOut">
+            <a:fld id="{368CC5CE-77A5-F648-895D-B56A6D348C68}" type="datetimeFigureOut">
               <a:rPr lang="en-US" smtClean="0"/>
-              <a:t>10/13/20</a:t>
+              <a:t>10/9/20</a:t>
             </a:fld>
             <a:endParaRPr lang="en-US"/>
           </a:p>
@@ -283,7 +283,7 @@
           <a:bodyPr/>
           <a:lstStyle/>
           <a:p>
-            <a:fld id="{BDE76867-A68E-9544-9830-80F90AD71362}" type="slidenum">
+            <a:fld id="{D340D7BD-3C35-8544-921E-E944BCC48069}" type="slidenum">
               <a:rPr lang="en-US" smtClean="0"/>
               <a:t>‹#›</a:t>
             </a:fld>
@@ -294,7 +294,7 @@
     </p:spTree>
     <p:extLst>
       <p:ext uri="{BB962C8B-B14F-4D97-AF65-F5344CB8AC3E}">
-        <p14:creationId xmlns:p14="http://schemas.microsoft.com/office/powerpoint/2010/main" val="3887289126"/>
+        <p14:creationId xmlns:p14="http://schemas.microsoft.com/office/powerpoint/2010/main" val="2966634033"/>
       </p:ext>
     </p:extLst>
   </p:cSld>
@@ -411,9 +411,9 @@
           <a:bodyPr/>
           <a:lstStyle/>
           <a:p>
-            <a:fld id="{401E1E6C-EA39-C04F-8BD7-24F3AA3999CD}" type="datetimeFigureOut">
+            <a:fld id="{368CC5CE-77A5-F648-895D-B56A6D348C68}" type="datetimeFigureOut">
               <a:rPr lang="en-US" smtClean="0"/>
-              <a:t>10/13/20</a:t>
+              <a:t>10/9/20</a:t>
             </a:fld>
             <a:endParaRPr lang="en-US"/>
           </a:p>
@@ -453,7 +453,7 @@
           <a:bodyPr/>
           <a:lstStyle/>
           <a:p>
-            <a:fld id="{BDE76867-A68E-9544-9830-80F90AD71362}" type="slidenum">
+            <a:fld id="{D340D7BD-3C35-8544-921E-E944BCC48069}" type="slidenum">
               <a:rPr lang="en-US" smtClean="0"/>
               <a:t>‹#›</a:t>
             </a:fld>
@@ -464,7 +464,7 @@
     </p:spTree>
     <p:extLst>
       <p:ext uri="{BB962C8B-B14F-4D97-AF65-F5344CB8AC3E}">
-        <p14:creationId xmlns:p14="http://schemas.microsoft.com/office/powerpoint/2010/main" val="1682824635"/>
+        <p14:creationId xmlns:p14="http://schemas.microsoft.com/office/powerpoint/2010/main" val="2714213385"/>
       </p:ext>
     </p:extLst>
   </p:cSld>
@@ -503,8 +503,8 @@
         </p:nvSpPr>
         <p:spPr>
           <a:xfrm>
-            <a:off x="4907757" y="272660"/>
-            <a:ext cx="1478756" cy="4340044"/>
+            <a:off x="8724900" y="219075"/>
+            <a:ext cx="2628900" cy="3487103"/>
           </a:xfrm>
         </p:spPr>
         <p:txBody>
@@ -531,8 +531,8 @@
         </p:nvSpPr>
         <p:spPr>
           <a:xfrm>
-            <a:off x="471488" y="272660"/>
-            <a:ext cx="4350544" cy="4340044"/>
+            <a:off x="838200" y="219075"/>
+            <a:ext cx="7734300" cy="3487103"/>
           </a:xfrm>
         </p:spPr>
         <p:txBody>
@@ -591,9 +591,9 @@
           <a:bodyPr/>
           <a:lstStyle/>
           <a:p>
-            <a:fld id="{401E1E6C-EA39-C04F-8BD7-24F3AA3999CD}" type="datetimeFigureOut">
+            <a:fld id="{368CC5CE-77A5-F648-895D-B56A6D348C68}" type="datetimeFigureOut">
               <a:rPr lang="en-US" smtClean="0"/>
-              <a:t>10/13/20</a:t>
+              <a:t>10/9/20</a:t>
             </a:fld>
             <a:endParaRPr lang="en-US"/>
           </a:p>
@@ -633,7 +633,7 @@
           <a:bodyPr/>
           <a:lstStyle/>
           <a:p>
-            <a:fld id="{BDE76867-A68E-9544-9830-80F90AD71362}" type="slidenum">
+            <a:fld id="{D340D7BD-3C35-8544-921E-E944BCC48069}" type="slidenum">
               <a:rPr lang="en-US" smtClean="0"/>
               <a:t>‹#›</a:t>
             </a:fld>
@@ -644,7 +644,7 @@
     </p:spTree>
     <p:extLst>
       <p:ext uri="{BB962C8B-B14F-4D97-AF65-F5344CB8AC3E}">
-        <p14:creationId xmlns:p14="http://schemas.microsoft.com/office/powerpoint/2010/main" val="1654169987"/>
+        <p14:creationId xmlns:p14="http://schemas.microsoft.com/office/powerpoint/2010/main" val="4102248087"/>
       </p:ext>
     </p:extLst>
   </p:cSld>
@@ -761,9 +761,9 @@
           <a:bodyPr/>
           <a:lstStyle/>
           <a:p>
-            <a:fld id="{401E1E6C-EA39-C04F-8BD7-24F3AA3999CD}" type="datetimeFigureOut">
+            <a:fld id="{368CC5CE-77A5-F648-895D-B56A6D348C68}" type="datetimeFigureOut">
               <a:rPr lang="en-US" smtClean="0"/>
-              <a:t>10/13/20</a:t>
+              <a:t>10/9/20</a:t>
             </a:fld>
             <a:endParaRPr lang="en-US"/>
           </a:p>
@@ -803,7 +803,7 @@
           <a:bodyPr/>
           <a:lstStyle/>
           <a:p>
-            <a:fld id="{BDE76867-A68E-9544-9830-80F90AD71362}" type="slidenum">
+            <a:fld id="{D340D7BD-3C35-8544-921E-E944BCC48069}" type="slidenum">
               <a:rPr lang="en-US" smtClean="0"/>
               <a:t>‹#›</a:t>
             </a:fld>
@@ -814,7 +814,7 @@
     </p:spTree>
     <p:extLst>
       <p:ext uri="{BB962C8B-B14F-4D97-AF65-F5344CB8AC3E}">
-        <p14:creationId xmlns:p14="http://schemas.microsoft.com/office/powerpoint/2010/main" val="3915787794"/>
+        <p14:creationId xmlns:p14="http://schemas.microsoft.com/office/powerpoint/2010/main" val="885637508"/>
       </p:ext>
     </p:extLst>
   </p:cSld>
@@ -853,15 +853,15 @@
         </p:nvSpPr>
         <p:spPr>
           <a:xfrm>
-            <a:off x="467916" y="1276764"/>
-            <a:ext cx="5915025" cy="2130308"/>
+            <a:off x="831850" y="1025843"/>
+            <a:ext cx="10515600" cy="1711642"/>
           </a:xfrm>
         </p:spPr>
         <p:txBody>
           <a:bodyPr anchor="b"/>
           <a:lstStyle>
             <a:lvl1pPr>
-              <a:defRPr sz="4481"/>
+              <a:defRPr sz="3600"/>
             </a:lvl1pPr>
           </a:lstStyle>
           <a:p>
@@ -885,8 +885,8 @@
         </p:nvSpPr>
         <p:spPr>
           <a:xfrm>
-            <a:off x="467916" y="3427225"/>
-            <a:ext cx="5915025" cy="1120279"/>
+            <a:off x="831850" y="2753678"/>
+            <a:ext cx="10515600" cy="900112"/>
           </a:xfrm>
         </p:spPr>
         <p:txBody>
@@ -894,15 +894,17 @@
           <a:lstStyle>
             <a:lvl1pPr marL="0" indent="0">
               <a:buNone/>
-              <a:defRPr sz="1792">
+              <a:defRPr sz="1440">
                 <a:solidFill>
-                  <a:schemeClr val="tx1"/>
+                  <a:schemeClr val="tx1">
+                    <a:tint val="75000"/>
+                  </a:schemeClr>
                 </a:solidFill>
               </a:defRPr>
             </a:lvl1pPr>
-            <a:lvl2pPr marL="341437" indent="0">
-              <a:buNone/>
-              <a:defRPr sz="1494">
+            <a:lvl2pPr marL="274320" indent="0">
+              <a:buNone/>
+              <a:defRPr sz="1200">
                 <a:solidFill>
                   <a:schemeClr val="tx1">
                     <a:tint val="75000"/>
@@ -910,9 +912,9 @@
                 </a:solidFill>
               </a:defRPr>
             </a:lvl2pPr>
-            <a:lvl3pPr marL="682874" indent="0">
-              <a:buNone/>
-              <a:defRPr sz="1344">
+            <a:lvl3pPr marL="548640" indent="0">
+              <a:buNone/>
+              <a:defRPr sz="1080">
                 <a:solidFill>
                   <a:schemeClr val="tx1">
                     <a:tint val="75000"/>
@@ -920,9 +922,9 @@
                 </a:solidFill>
               </a:defRPr>
             </a:lvl3pPr>
-            <a:lvl4pPr marL="1024311" indent="0">
-              <a:buNone/>
-              <a:defRPr sz="1195">
+            <a:lvl4pPr marL="822960" indent="0">
+              <a:buNone/>
+              <a:defRPr sz="960">
                 <a:solidFill>
                   <a:schemeClr val="tx1">
                     <a:tint val="75000"/>
@@ -930,9 +932,9 @@
                 </a:solidFill>
               </a:defRPr>
             </a:lvl4pPr>
-            <a:lvl5pPr marL="1365748" indent="0">
-              <a:buNone/>
-              <a:defRPr sz="1195">
+            <a:lvl5pPr marL="1097280" indent="0">
+              <a:buNone/>
+              <a:defRPr sz="960">
                 <a:solidFill>
                   <a:schemeClr val="tx1">
                     <a:tint val="75000"/>
@@ -940,9 +942,9 @@
                 </a:solidFill>
               </a:defRPr>
             </a:lvl5pPr>
-            <a:lvl6pPr marL="1707185" indent="0">
-              <a:buNone/>
-              <a:defRPr sz="1195">
+            <a:lvl6pPr marL="1371600" indent="0">
+              <a:buNone/>
+              <a:defRPr sz="960">
                 <a:solidFill>
                   <a:schemeClr val="tx1">
                     <a:tint val="75000"/>
@@ -950,9 +952,9 @@
                 </a:solidFill>
               </a:defRPr>
             </a:lvl6pPr>
-            <a:lvl7pPr marL="2048622" indent="0">
-              <a:buNone/>
-              <a:defRPr sz="1195">
+            <a:lvl7pPr marL="1645920" indent="0">
+              <a:buNone/>
+              <a:defRPr sz="960">
                 <a:solidFill>
                   <a:schemeClr val="tx1">
                     <a:tint val="75000"/>
@@ -960,9 +962,9 @@
                 </a:solidFill>
               </a:defRPr>
             </a:lvl7pPr>
-            <a:lvl8pPr marL="2390059" indent="0">
-              <a:buNone/>
-              <a:defRPr sz="1195">
+            <a:lvl8pPr marL="1920240" indent="0">
+              <a:buNone/>
+              <a:defRPr sz="960">
                 <a:solidFill>
                   <a:schemeClr val="tx1">
                     <a:tint val="75000"/>
@@ -970,9 +972,9 @@
                 </a:solidFill>
               </a:defRPr>
             </a:lvl8pPr>
-            <a:lvl9pPr marL="2731496" indent="0">
-              <a:buNone/>
-              <a:defRPr sz="1195">
+            <a:lvl9pPr marL="2194560" indent="0">
+              <a:buNone/>
+              <a:defRPr sz="960">
                 <a:solidFill>
                   <a:schemeClr val="tx1">
                     <a:tint val="75000"/>
@@ -1005,9 +1007,9 @@
           <a:bodyPr/>
           <a:lstStyle/>
           <a:p>
-            <a:fld id="{401E1E6C-EA39-C04F-8BD7-24F3AA3999CD}" type="datetimeFigureOut">
+            <a:fld id="{368CC5CE-77A5-F648-895D-B56A6D348C68}" type="datetimeFigureOut">
               <a:rPr lang="en-US" smtClean="0"/>
-              <a:t>10/13/20</a:t>
+              <a:t>10/9/20</a:t>
             </a:fld>
             <a:endParaRPr lang="en-US"/>
           </a:p>
@@ -1047,7 +1049,7 @@
           <a:bodyPr/>
           <a:lstStyle/>
           <a:p>
-            <a:fld id="{BDE76867-A68E-9544-9830-80F90AD71362}" type="slidenum">
+            <a:fld id="{D340D7BD-3C35-8544-921E-E944BCC48069}" type="slidenum">
               <a:rPr lang="en-US" smtClean="0"/>
               <a:t>‹#›</a:t>
             </a:fld>
@@ -1058,7 +1060,7 @@
     </p:spTree>
     <p:extLst>
       <p:ext uri="{BB962C8B-B14F-4D97-AF65-F5344CB8AC3E}">
-        <p14:creationId xmlns:p14="http://schemas.microsoft.com/office/powerpoint/2010/main" val="999643538"/>
+        <p14:creationId xmlns:p14="http://schemas.microsoft.com/office/powerpoint/2010/main" val="2996308924"/>
       </p:ext>
     </p:extLst>
   </p:cSld>
@@ -1120,8 +1122,8 @@
         </p:nvSpPr>
         <p:spPr>
           <a:xfrm>
-            <a:off x="471488" y="1363302"/>
-            <a:ext cx="2914650" cy="3249402"/>
+            <a:off x="838200" y="1095375"/>
+            <a:ext cx="5181600" cy="2610803"/>
           </a:xfrm>
         </p:spPr>
         <p:txBody>
@@ -1177,8 +1179,8 @@
         </p:nvSpPr>
         <p:spPr>
           <a:xfrm>
-            <a:off x="3471863" y="1363302"/>
-            <a:ext cx="2914650" cy="3249402"/>
+            <a:off x="6172200" y="1095375"/>
+            <a:ext cx="5181600" cy="2610803"/>
           </a:xfrm>
         </p:spPr>
         <p:txBody>
@@ -1237,9 +1239,9 @@
           <a:bodyPr/>
           <a:lstStyle/>
           <a:p>
-            <a:fld id="{401E1E6C-EA39-C04F-8BD7-24F3AA3999CD}" type="datetimeFigureOut">
+            <a:fld id="{368CC5CE-77A5-F648-895D-B56A6D348C68}" type="datetimeFigureOut">
               <a:rPr lang="en-US" smtClean="0"/>
-              <a:t>10/13/20</a:t>
+              <a:t>10/9/20</a:t>
             </a:fld>
             <a:endParaRPr lang="en-US"/>
           </a:p>
@@ -1279,7 +1281,7 @@
           <a:bodyPr/>
           <a:lstStyle/>
           <a:p>
-            <a:fld id="{BDE76867-A68E-9544-9830-80F90AD71362}" type="slidenum">
+            <a:fld id="{D340D7BD-3C35-8544-921E-E944BCC48069}" type="slidenum">
               <a:rPr lang="en-US" smtClean="0"/>
               <a:t>‹#›</a:t>
             </a:fld>
@@ -1290,7 +1292,7 @@
     </p:spTree>
     <p:extLst>
       <p:ext uri="{BB962C8B-B14F-4D97-AF65-F5344CB8AC3E}">
-        <p14:creationId xmlns:p14="http://schemas.microsoft.com/office/powerpoint/2010/main" val="1787708356"/>
+        <p14:creationId xmlns:p14="http://schemas.microsoft.com/office/powerpoint/2010/main" val="3486745916"/>
       </p:ext>
     </p:extLst>
   </p:cSld>
@@ -1329,8 +1331,8 @@
         </p:nvSpPr>
         <p:spPr>
           <a:xfrm>
-            <a:off x="472381" y="272662"/>
-            <a:ext cx="5915025" cy="989876"/>
+            <a:off x="839788" y="219075"/>
+            <a:ext cx="10515600" cy="795338"/>
           </a:xfrm>
         </p:spPr>
         <p:txBody>
@@ -1357,8 +1359,8 @@
         </p:nvSpPr>
         <p:spPr>
           <a:xfrm>
-            <a:off x="472381" y="1255424"/>
-            <a:ext cx="2901255" cy="615264"/>
+            <a:off x="839789" y="1008698"/>
+            <a:ext cx="5157787" cy="494347"/>
           </a:xfrm>
         </p:spPr>
         <p:txBody>
@@ -1366,39 +1368,39 @@
           <a:lstStyle>
             <a:lvl1pPr marL="0" indent="0">
               <a:buNone/>
-              <a:defRPr sz="1792" b="1"/>
+              <a:defRPr sz="1440" b="1"/>
             </a:lvl1pPr>
-            <a:lvl2pPr marL="341437" indent="0">
-              <a:buNone/>
-              <a:defRPr sz="1494" b="1"/>
+            <a:lvl2pPr marL="274320" indent="0">
+              <a:buNone/>
+              <a:defRPr sz="1200" b="1"/>
             </a:lvl2pPr>
-            <a:lvl3pPr marL="682874" indent="0">
-              <a:buNone/>
-              <a:defRPr sz="1344" b="1"/>
+            <a:lvl3pPr marL="548640" indent="0">
+              <a:buNone/>
+              <a:defRPr sz="1080" b="1"/>
             </a:lvl3pPr>
-            <a:lvl4pPr marL="1024311" indent="0">
-              <a:buNone/>
-              <a:defRPr sz="1195" b="1"/>
+            <a:lvl4pPr marL="822960" indent="0">
+              <a:buNone/>
+              <a:defRPr sz="960" b="1"/>
             </a:lvl4pPr>
-            <a:lvl5pPr marL="1365748" indent="0">
-              <a:buNone/>
-              <a:defRPr sz="1195" b="1"/>
+            <a:lvl5pPr marL="1097280" indent="0">
+              <a:buNone/>
+              <a:defRPr sz="960" b="1"/>
             </a:lvl5pPr>
-            <a:lvl6pPr marL="1707185" indent="0">
-              <a:buNone/>
-              <a:defRPr sz="1195" b="1"/>
+            <a:lvl6pPr marL="1371600" indent="0">
+              <a:buNone/>
+              <a:defRPr sz="960" b="1"/>
             </a:lvl6pPr>
-            <a:lvl7pPr marL="2048622" indent="0">
-              <a:buNone/>
-              <a:defRPr sz="1195" b="1"/>
+            <a:lvl7pPr marL="1645920" indent="0">
+              <a:buNone/>
+              <a:defRPr sz="960" b="1"/>
             </a:lvl7pPr>
-            <a:lvl8pPr marL="2390059" indent="0">
-              <a:buNone/>
-              <a:defRPr sz="1195" b="1"/>
+            <a:lvl8pPr marL="1920240" indent="0">
+              <a:buNone/>
+              <a:defRPr sz="960" b="1"/>
             </a:lvl8pPr>
-            <a:lvl9pPr marL="2731496" indent="0">
-              <a:buNone/>
-              <a:defRPr sz="1195" b="1"/>
+            <a:lvl9pPr marL="2194560" indent="0">
+              <a:buNone/>
+              <a:defRPr sz="960" b="1"/>
             </a:lvl9pPr>
           </a:lstStyle>
           <a:p>
@@ -1422,8 +1424,8 @@
         </p:nvSpPr>
         <p:spPr>
           <a:xfrm>
-            <a:off x="472381" y="1870688"/>
-            <a:ext cx="2901255" cy="2751500"/>
+            <a:off x="839789" y="1503045"/>
+            <a:ext cx="5157787" cy="2210753"/>
           </a:xfrm>
         </p:spPr>
         <p:txBody>
@@ -1479,8 +1481,8 @@
         </p:nvSpPr>
         <p:spPr>
           <a:xfrm>
-            <a:off x="3471863" y="1255424"/>
-            <a:ext cx="2915543" cy="615264"/>
+            <a:off x="6172200" y="1008698"/>
+            <a:ext cx="5183188" cy="494347"/>
           </a:xfrm>
         </p:spPr>
         <p:txBody>
@@ -1488,39 +1490,39 @@
           <a:lstStyle>
             <a:lvl1pPr marL="0" indent="0">
               <a:buNone/>
-              <a:defRPr sz="1792" b="1"/>
+              <a:defRPr sz="1440" b="1"/>
             </a:lvl1pPr>
-            <a:lvl2pPr marL="341437" indent="0">
-              <a:buNone/>
-              <a:defRPr sz="1494" b="1"/>
+            <a:lvl2pPr marL="274320" indent="0">
+              <a:buNone/>
+              <a:defRPr sz="1200" b="1"/>
             </a:lvl2pPr>
-            <a:lvl3pPr marL="682874" indent="0">
-              <a:buNone/>
-              <a:defRPr sz="1344" b="1"/>
+            <a:lvl3pPr marL="548640" indent="0">
+              <a:buNone/>
+              <a:defRPr sz="1080" b="1"/>
             </a:lvl3pPr>
-            <a:lvl4pPr marL="1024311" indent="0">
-              <a:buNone/>
-              <a:defRPr sz="1195" b="1"/>
+            <a:lvl4pPr marL="822960" indent="0">
+              <a:buNone/>
+              <a:defRPr sz="960" b="1"/>
             </a:lvl4pPr>
-            <a:lvl5pPr marL="1365748" indent="0">
-              <a:buNone/>
-              <a:defRPr sz="1195" b="1"/>
+            <a:lvl5pPr marL="1097280" indent="0">
+              <a:buNone/>
+              <a:defRPr sz="960" b="1"/>
             </a:lvl5pPr>
-            <a:lvl6pPr marL="1707185" indent="0">
-              <a:buNone/>
-              <a:defRPr sz="1195" b="1"/>
+            <a:lvl6pPr marL="1371600" indent="0">
+              <a:buNone/>
+              <a:defRPr sz="960" b="1"/>
             </a:lvl6pPr>
-            <a:lvl7pPr marL="2048622" indent="0">
-              <a:buNone/>
-              <a:defRPr sz="1195" b="1"/>
+            <a:lvl7pPr marL="1645920" indent="0">
+              <a:buNone/>
+              <a:defRPr sz="960" b="1"/>
             </a:lvl7pPr>
-            <a:lvl8pPr marL="2390059" indent="0">
-              <a:buNone/>
-              <a:defRPr sz="1195" b="1"/>
+            <a:lvl8pPr marL="1920240" indent="0">
+              <a:buNone/>
+              <a:defRPr sz="960" b="1"/>
             </a:lvl8pPr>
-            <a:lvl9pPr marL="2731496" indent="0">
-              <a:buNone/>
-              <a:defRPr sz="1195" b="1"/>
+            <a:lvl9pPr marL="2194560" indent="0">
+              <a:buNone/>
+              <a:defRPr sz="960" b="1"/>
             </a:lvl9pPr>
           </a:lstStyle>
           <a:p>
@@ -1544,8 +1546,8 @@
         </p:nvSpPr>
         <p:spPr>
           <a:xfrm>
-            <a:off x="3471863" y="1870688"/>
-            <a:ext cx="2915543" cy="2751500"/>
+            <a:off x="6172200" y="1503045"/>
+            <a:ext cx="5183188" cy="2210753"/>
           </a:xfrm>
         </p:spPr>
         <p:txBody>
@@ -1604,9 +1606,9 @@
           <a:bodyPr/>
           <a:lstStyle/>
           <a:p>
-            <a:fld id="{401E1E6C-EA39-C04F-8BD7-24F3AA3999CD}" type="datetimeFigureOut">
+            <a:fld id="{368CC5CE-77A5-F648-895D-B56A6D348C68}" type="datetimeFigureOut">
               <a:rPr lang="en-US" smtClean="0"/>
-              <a:t>10/13/20</a:t>
+              <a:t>10/9/20</a:t>
             </a:fld>
             <a:endParaRPr lang="en-US"/>
           </a:p>
@@ -1646,7 +1648,7 @@
           <a:bodyPr/>
           <a:lstStyle/>
           <a:p>
-            <a:fld id="{BDE76867-A68E-9544-9830-80F90AD71362}" type="slidenum">
+            <a:fld id="{D340D7BD-3C35-8544-921E-E944BCC48069}" type="slidenum">
               <a:rPr lang="en-US" smtClean="0"/>
               <a:t>‹#›</a:t>
             </a:fld>
@@ -1657,7 +1659,7 @@
     </p:spTree>
     <p:extLst>
       <p:ext uri="{BB962C8B-B14F-4D97-AF65-F5344CB8AC3E}">
-        <p14:creationId xmlns:p14="http://schemas.microsoft.com/office/powerpoint/2010/main" val="89728405"/>
+        <p14:creationId xmlns:p14="http://schemas.microsoft.com/office/powerpoint/2010/main" val="3004945378"/>
       </p:ext>
     </p:extLst>
   </p:cSld>
@@ -1722,9 +1724,9 @@
           <a:bodyPr/>
           <a:lstStyle/>
           <a:p>
-            <a:fld id="{401E1E6C-EA39-C04F-8BD7-24F3AA3999CD}" type="datetimeFigureOut">
+            <a:fld id="{368CC5CE-77A5-F648-895D-B56A6D348C68}" type="datetimeFigureOut">
               <a:rPr lang="en-US" smtClean="0"/>
-              <a:t>10/13/20</a:t>
+              <a:t>10/9/20</a:t>
             </a:fld>
             <a:endParaRPr lang="en-US"/>
           </a:p>
@@ -1764,7 +1766,7 @@
           <a:bodyPr/>
           <a:lstStyle/>
           <a:p>
-            <a:fld id="{BDE76867-A68E-9544-9830-80F90AD71362}" type="slidenum">
+            <a:fld id="{D340D7BD-3C35-8544-921E-E944BCC48069}" type="slidenum">
               <a:rPr lang="en-US" smtClean="0"/>
               <a:t>‹#›</a:t>
             </a:fld>
@@ -1775,7 +1777,7 @@
     </p:spTree>
     <p:extLst>
       <p:ext uri="{BB962C8B-B14F-4D97-AF65-F5344CB8AC3E}">
-        <p14:creationId xmlns:p14="http://schemas.microsoft.com/office/powerpoint/2010/main" val="3585793896"/>
+        <p14:creationId xmlns:p14="http://schemas.microsoft.com/office/powerpoint/2010/main" val="2346782423"/>
       </p:ext>
     </p:extLst>
   </p:cSld>
@@ -1817,9 +1819,9 @@
           <a:bodyPr/>
           <a:lstStyle/>
           <a:p>
-            <a:fld id="{401E1E6C-EA39-C04F-8BD7-24F3AA3999CD}" type="datetimeFigureOut">
+            <a:fld id="{368CC5CE-77A5-F648-895D-B56A6D348C68}" type="datetimeFigureOut">
               <a:rPr lang="en-US" smtClean="0"/>
-              <a:t>10/13/20</a:t>
+              <a:t>10/9/20</a:t>
             </a:fld>
             <a:endParaRPr lang="en-US"/>
           </a:p>
@@ -1859,7 +1861,7 @@
           <a:bodyPr/>
           <a:lstStyle/>
           <a:p>
-            <a:fld id="{BDE76867-A68E-9544-9830-80F90AD71362}" type="slidenum">
+            <a:fld id="{D340D7BD-3C35-8544-921E-E944BCC48069}" type="slidenum">
               <a:rPr lang="en-US" smtClean="0"/>
               <a:t>‹#›</a:t>
             </a:fld>
@@ -1870,7 +1872,7 @@
     </p:spTree>
     <p:extLst>
       <p:ext uri="{BB962C8B-B14F-4D97-AF65-F5344CB8AC3E}">
-        <p14:creationId xmlns:p14="http://schemas.microsoft.com/office/powerpoint/2010/main" val="3630264715"/>
+        <p14:creationId xmlns:p14="http://schemas.microsoft.com/office/powerpoint/2010/main" val="2581380954"/>
       </p:ext>
     </p:extLst>
   </p:cSld>
@@ -1909,15 +1911,15 @@
         </p:nvSpPr>
         <p:spPr>
           <a:xfrm>
-            <a:off x="472381" y="341418"/>
-            <a:ext cx="2211884" cy="1194964"/>
+            <a:off x="839789" y="274320"/>
+            <a:ext cx="3932237" cy="960120"/>
           </a:xfrm>
         </p:spPr>
         <p:txBody>
           <a:bodyPr anchor="b"/>
           <a:lstStyle>
             <a:lvl1pPr>
-              <a:defRPr sz="2390"/>
+              <a:defRPr sz="1920"/>
             </a:lvl1pPr>
           </a:lstStyle>
           <a:p>
@@ -1941,39 +1943,39 @@
         </p:nvSpPr>
         <p:spPr>
           <a:xfrm>
-            <a:off x="2915543" y="737370"/>
-            <a:ext cx="3471863" cy="3639425"/>
+            <a:off x="5183188" y="592455"/>
+            <a:ext cx="6172200" cy="2924175"/>
           </a:xfrm>
         </p:spPr>
         <p:txBody>
           <a:bodyPr/>
           <a:lstStyle>
             <a:lvl1pPr>
-              <a:defRPr sz="2390"/>
+              <a:defRPr sz="1920"/>
             </a:lvl1pPr>
             <a:lvl2pPr>
-              <a:defRPr sz="2091"/>
+              <a:defRPr sz="1680"/>
             </a:lvl2pPr>
             <a:lvl3pPr>
-              <a:defRPr sz="1792"/>
+              <a:defRPr sz="1440"/>
             </a:lvl3pPr>
             <a:lvl4pPr>
-              <a:defRPr sz="1494"/>
+              <a:defRPr sz="1200"/>
             </a:lvl4pPr>
             <a:lvl5pPr>
-              <a:defRPr sz="1494"/>
+              <a:defRPr sz="1200"/>
             </a:lvl5pPr>
             <a:lvl6pPr>
-              <a:defRPr sz="1494"/>
+              <a:defRPr sz="1200"/>
             </a:lvl6pPr>
             <a:lvl7pPr>
-              <a:defRPr sz="1494"/>
+              <a:defRPr sz="1200"/>
             </a:lvl7pPr>
             <a:lvl8pPr>
-              <a:defRPr sz="1494"/>
+              <a:defRPr sz="1200"/>
             </a:lvl8pPr>
             <a:lvl9pPr>
-              <a:defRPr sz="1494"/>
+              <a:defRPr sz="1200"/>
             </a:lvl9pPr>
           </a:lstStyle>
           <a:p>
@@ -2026,8 +2028,8 @@
         </p:nvSpPr>
         <p:spPr>
           <a:xfrm>
-            <a:off x="472381" y="1536382"/>
-            <a:ext cx="2211884" cy="2846339"/>
+            <a:off x="839789" y="1234440"/>
+            <a:ext cx="3932237" cy="2286953"/>
           </a:xfrm>
         </p:spPr>
         <p:txBody>
@@ -2035,39 +2037,39 @@
           <a:lstStyle>
             <a:lvl1pPr marL="0" indent="0">
               <a:buNone/>
-              <a:defRPr sz="1195"/>
+              <a:defRPr sz="960"/>
             </a:lvl1pPr>
-            <a:lvl2pPr marL="341437" indent="0">
-              <a:buNone/>
-              <a:defRPr sz="1046"/>
+            <a:lvl2pPr marL="274320" indent="0">
+              <a:buNone/>
+              <a:defRPr sz="840"/>
             </a:lvl2pPr>
-            <a:lvl3pPr marL="682874" indent="0">
-              <a:buNone/>
-              <a:defRPr sz="896"/>
+            <a:lvl3pPr marL="548640" indent="0">
+              <a:buNone/>
+              <a:defRPr sz="720"/>
             </a:lvl3pPr>
-            <a:lvl4pPr marL="1024311" indent="0">
-              <a:buNone/>
-              <a:defRPr sz="747"/>
+            <a:lvl4pPr marL="822960" indent="0">
+              <a:buNone/>
+              <a:defRPr sz="600"/>
             </a:lvl4pPr>
-            <a:lvl5pPr marL="1365748" indent="0">
-              <a:buNone/>
-              <a:defRPr sz="747"/>
+            <a:lvl5pPr marL="1097280" indent="0">
+              <a:buNone/>
+              <a:defRPr sz="600"/>
             </a:lvl5pPr>
-            <a:lvl6pPr marL="1707185" indent="0">
-              <a:buNone/>
-              <a:defRPr sz="747"/>
+            <a:lvl6pPr marL="1371600" indent="0">
+              <a:buNone/>
+              <a:defRPr sz="600"/>
             </a:lvl6pPr>
-            <a:lvl7pPr marL="2048622" indent="0">
-              <a:buNone/>
-              <a:defRPr sz="747"/>
+            <a:lvl7pPr marL="1645920" indent="0">
+              <a:buNone/>
+              <a:defRPr sz="600"/>
             </a:lvl7pPr>
-            <a:lvl8pPr marL="2390059" indent="0">
-              <a:buNone/>
-              <a:defRPr sz="747"/>
+            <a:lvl8pPr marL="1920240" indent="0">
+              <a:buNone/>
+              <a:defRPr sz="600"/>
             </a:lvl8pPr>
-            <a:lvl9pPr marL="2731496" indent="0">
-              <a:buNone/>
-              <a:defRPr sz="747"/>
+            <a:lvl9pPr marL="2194560" indent="0">
+              <a:buNone/>
+              <a:defRPr sz="600"/>
             </a:lvl9pPr>
           </a:lstStyle>
           <a:p>
@@ -2094,9 +2096,9 @@
           <a:bodyPr/>
           <a:lstStyle/>
           <a:p>
-            <a:fld id="{401E1E6C-EA39-C04F-8BD7-24F3AA3999CD}" type="datetimeFigureOut">
+            <a:fld id="{368CC5CE-77A5-F648-895D-B56A6D348C68}" type="datetimeFigureOut">
               <a:rPr lang="en-US" smtClean="0"/>
-              <a:t>10/13/20</a:t>
+              <a:t>10/9/20</a:t>
             </a:fld>
             <a:endParaRPr lang="en-US"/>
           </a:p>
@@ -2136,7 +2138,7 @@
           <a:bodyPr/>
           <a:lstStyle/>
           <a:p>
-            <a:fld id="{BDE76867-A68E-9544-9830-80F90AD71362}" type="slidenum">
+            <a:fld id="{D340D7BD-3C35-8544-921E-E944BCC48069}" type="slidenum">
               <a:rPr lang="en-US" smtClean="0"/>
               <a:t>‹#›</a:t>
             </a:fld>
@@ -2147,7 +2149,7 @@
     </p:spTree>
     <p:extLst>
       <p:ext uri="{BB962C8B-B14F-4D97-AF65-F5344CB8AC3E}">
-        <p14:creationId xmlns:p14="http://schemas.microsoft.com/office/powerpoint/2010/main" val="2210558449"/>
+        <p14:creationId xmlns:p14="http://schemas.microsoft.com/office/powerpoint/2010/main" val="4183936168"/>
       </p:ext>
     </p:extLst>
   </p:cSld>
@@ -2186,15 +2188,15 @@
         </p:nvSpPr>
         <p:spPr>
           <a:xfrm>
-            <a:off x="472381" y="341418"/>
-            <a:ext cx="2211884" cy="1194964"/>
+            <a:off x="839789" y="274320"/>
+            <a:ext cx="3932237" cy="960120"/>
           </a:xfrm>
         </p:spPr>
         <p:txBody>
           <a:bodyPr anchor="b"/>
           <a:lstStyle>
             <a:lvl1pPr>
-              <a:defRPr sz="2390"/>
+              <a:defRPr sz="1920"/>
             </a:lvl1pPr>
           </a:lstStyle>
           <a:p>
@@ -2218,8 +2220,8 @@
         </p:nvSpPr>
         <p:spPr>
           <a:xfrm>
-            <a:off x="2915543" y="737370"/>
-            <a:ext cx="3471863" cy="3639425"/>
+            <a:off x="5183188" y="592455"/>
+            <a:ext cx="6172200" cy="2924175"/>
           </a:xfrm>
         </p:spPr>
         <p:txBody>
@@ -2227,39 +2229,39 @@
           <a:lstStyle>
             <a:lvl1pPr marL="0" indent="0">
               <a:buNone/>
-              <a:defRPr sz="2390"/>
+              <a:defRPr sz="1920"/>
             </a:lvl1pPr>
-            <a:lvl2pPr marL="341437" indent="0">
-              <a:buNone/>
-              <a:defRPr sz="2091"/>
+            <a:lvl2pPr marL="274320" indent="0">
+              <a:buNone/>
+              <a:defRPr sz="1680"/>
             </a:lvl2pPr>
-            <a:lvl3pPr marL="682874" indent="0">
-              <a:buNone/>
-              <a:defRPr sz="1792"/>
+            <a:lvl3pPr marL="548640" indent="0">
+              <a:buNone/>
+              <a:defRPr sz="1440"/>
             </a:lvl3pPr>
-            <a:lvl4pPr marL="1024311" indent="0">
-              <a:buNone/>
-              <a:defRPr sz="1494"/>
+            <a:lvl4pPr marL="822960" indent="0">
+              <a:buNone/>
+              <a:defRPr sz="1200"/>
             </a:lvl4pPr>
-            <a:lvl5pPr marL="1365748" indent="0">
-              <a:buNone/>
-              <a:defRPr sz="1494"/>
+            <a:lvl5pPr marL="1097280" indent="0">
+              <a:buNone/>
+              <a:defRPr sz="1200"/>
             </a:lvl5pPr>
-            <a:lvl6pPr marL="1707185" indent="0">
-              <a:buNone/>
-              <a:defRPr sz="1494"/>
+            <a:lvl6pPr marL="1371600" indent="0">
+              <a:buNone/>
+              <a:defRPr sz="1200"/>
             </a:lvl6pPr>
-            <a:lvl7pPr marL="2048622" indent="0">
-              <a:buNone/>
-              <a:defRPr sz="1494"/>
+            <a:lvl7pPr marL="1645920" indent="0">
+              <a:buNone/>
+              <a:defRPr sz="1200"/>
             </a:lvl7pPr>
-            <a:lvl8pPr marL="2390059" indent="0">
-              <a:buNone/>
-              <a:defRPr sz="1494"/>
+            <a:lvl8pPr marL="1920240" indent="0">
+              <a:buNone/>
+              <a:defRPr sz="1200"/>
             </a:lvl8pPr>
-            <a:lvl9pPr marL="2731496" indent="0">
-              <a:buNone/>
-              <a:defRPr sz="1494"/>
+            <a:lvl9pPr marL="2194560" indent="0">
+              <a:buNone/>
+              <a:defRPr sz="1200"/>
             </a:lvl9pPr>
           </a:lstStyle>
           <a:p>
@@ -2283,8 +2285,8 @@
         </p:nvSpPr>
         <p:spPr>
           <a:xfrm>
-            <a:off x="472381" y="1536382"/>
-            <a:ext cx="2211884" cy="2846339"/>
+            <a:off x="839789" y="1234440"/>
+            <a:ext cx="3932237" cy="2286953"/>
           </a:xfrm>
         </p:spPr>
         <p:txBody>
@@ -2292,39 +2294,39 @@
           <a:lstStyle>
             <a:lvl1pPr marL="0" indent="0">
               <a:buNone/>
-              <a:defRPr sz="1195"/>
+              <a:defRPr sz="960"/>
             </a:lvl1pPr>
-            <a:lvl2pPr marL="341437" indent="0">
-              <a:buNone/>
-              <a:defRPr sz="1046"/>
+            <a:lvl2pPr marL="274320" indent="0">
+              <a:buNone/>
+              <a:defRPr sz="840"/>
             </a:lvl2pPr>
-            <a:lvl3pPr marL="682874" indent="0">
-              <a:buNone/>
-              <a:defRPr sz="896"/>
+            <a:lvl3pPr marL="548640" indent="0">
+              <a:buNone/>
+              <a:defRPr sz="720"/>
             </a:lvl3pPr>
-            <a:lvl4pPr marL="1024311" indent="0">
-              <a:buNone/>
-              <a:defRPr sz="747"/>
+            <a:lvl4pPr marL="822960" indent="0">
+              <a:buNone/>
+              <a:defRPr sz="600"/>
             </a:lvl4pPr>
-            <a:lvl5pPr marL="1365748" indent="0">
-              <a:buNone/>
-              <a:defRPr sz="747"/>
+            <a:lvl5pPr marL="1097280" indent="0">
+              <a:buNone/>
+              <a:defRPr sz="600"/>
             </a:lvl5pPr>
-            <a:lvl6pPr marL="1707185" indent="0">
-              <a:buNone/>
-              <a:defRPr sz="747"/>
+            <a:lvl6pPr marL="1371600" indent="0">
+              <a:buNone/>
+              <a:defRPr sz="600"/>
             </a:lvl6pPr>
-            <a:lvl7pPr marL="2048622" indent="0">
-              <a:buNone/>
-              <a:defRPr sz="747"/>
+            <a:lvl7pPr marL="1645920" indent="0">
+              <a:buNone/>
+              <a:defRPr sz="600"/>
             </a:lvl7pPr>
-            <a:lvl8pPr marL="2390059" indent="0">
-              <a:buNone/>
-              <a:defRPr sz="747"/>
+            <a:lvl8pPr marL="1920240" indent="0">
+              <a:buNone/>
+              <a:defRPr sz="600"/>
             </a:lvl8pPr>
-            <a:lvl9pPr marL="2731496" indent="0">
-              <a:buNone/>
-              <a:defRPr sz="747"/>
+            <a:lvl9pPr marL="2194560" indent="0">
+              <a:buNone/>
+              <a:defRPr sz="600"/>
             </a:lvl9pPr>
           </a:lstStyle>
           <a:p>
@@ -2351,9 +2353,9 @@
           <a:bodyPr/>
           <a:lstStyle/>
           <a:p>
-            <a:fld id="{401E1E6C-EA39-C04F-8BD7-24F3AA3999CD}" type="datetimeFigureOut">
+            <a:fld id="{368CC5CE-77A5-F648-895D-B56A6D348C68}" type="datetimeFigureOut">
               <a:rPr lang="en-US" smtClean="0"/>
-              <a:t>10/13/20</a:t>
+              <a:t>10/9/20</a:t>
             </a:fld>
             <a:endParaRPr lang="en-US"/>
           </a:p>
@@ -2393,7 +2395,7 @@
           <a:bodyPr/>
           <a:lstStyle/>
           <a:p>
-            <a:fld id="{BDE76867-A68E-9544-9830-80F90AD71362}" type="slidenum">
+            <a:fld id="{D340D7BD-3C35-8544-921E-E944BCC48069}" type="slidenum">
               <a:rPr lang="en-US" smtClean="0"/>
               <a:t>‹#›</a:t>
             </a:fld>
@@ -2404,7 +2406,7 @@
     </p:spTree>
     <p:extLst>
       <p:ext uri="{BB962C8B-B14F-4D97-AF65-F5344CB8AC3E}">
-        <p14:creationId xmlns:p14="http://schemas.microsoft.com/office/powerpoint/2010/main" val="162891722"/>
+        <p14:creationId xmlns:p14="http://schemas.microsoft.com/office/powerpoint/2010/main" val="3334355533"/>
       </p:ext>
     </p:extLst>
   </p:cSld>
@@ -2448,8 +2450,8 @@
         </p:nvSpPr>
         <p:spPr>
           <a:xfrm>
-            <a:off x="471488" y="272662"/>
-            <a:ext cx="5915025" cy="989876"/>
+            <a:off x="838200" y="219075"/>
+            <a:ext cx="10515600" cy="795338"/>
           </a:xfrm>
           <a:prstGeom prst="rect">
             <a:avLst/>
@@ -2481,8 +2483,8 @@
         </p:nvSpPr>
         <p:spPr>
           <a:xfrm>
-            <a:off x="471488" y="1363302"/>
-            <a:ext cx="5915025" cy="3249402"/>
+            <a:off x="838200" y="1095375"/>
+            <a:ext cx="10515600" cy="2610803"/>
           </a:xfrm>
           <a:prstGeom prst="rect">
             <a:avLst/>
@@ -2543,8 +2545,8 @@
         </p:nvSpPr>
         <p:spPr>
           <a:xfrm>
-            <a:off x="471488" y="4746665"/>
-            <a:ext cx="1543050" cy="272660"/>
+            <a:off x="838200" y="3813810"/>
+            <a:ext cx="2743200" cy="219075"/>
           </a:xfrm>
           <a:prstGeom prst="rect">
             <a:avLst/>
@@ -2554,7 +2556,7 @@
           <a:bodyPr vert="horz" lIns="91440" tIns="45720" rIns="91440" bIns="45720" rtlCol="0" anchor="ctr"/>
           <a:lstStyle>
             <a:lvl1pPr algn="l">
-              <a:defRPr sz="896">
+              <a:defRPr sz="720">
                 <a:solidFill>
                   <a:schemeClr val="tx1">
                     <a:tint val="75000"/>
@@ -2564,9 +2566,9 @@
             </a:lvl1pPr>
           </a:lstStyle>
           <a:p>
-            <a:fld id="{401E1E6C-EA39-C04F-8BD7-24F3AA3999CD}" type="datetimeFigureOut">
+            <a:fld id="{368CC5CE-77A5-F648-895D-B56A6D348C68}" type="datetimeFigureOut">
               <a:rPr lang="en-US" smtClean="0"/>
-              <a:t>10/13/20</a:t>
+              <a:t>10/9/20</a:t>
             </a:fld>
             <a:endParaRPr lang="en-US"/>
           </a:p>
@@ -2584,8 +2586,8 @@
         </p:nvSpPr>
         <p:spPr>
           <a:xfrm>
-            <a:off x="2271713" y="4746665"/>
-            <a:ext cx="2314575" cy="272660"/>
+            <a:off x="4038600" y="3813810"/>
+            <a:ext cx="4114800" cy="219075"/>
           </a:xfrm>
           <a:prstGeom prst="rect">
             <a:avLst/>
@@ -2595,7 +2597,7 @@
           <a:bodyPr vert="horz" lIns="91440" tIns="45720" rIns="91440" bIns="45720" rtlCol="0" anchor="ctr"/>
           <a:lstStyle>
             <a:lvl1pPr algn="ctr">
-              <a:defRPr sz="896">
+              <a:defRPr sz="720">
                 <a:solidFill>
                   <a:schemeClr val="tx1">
                     <a:tint val="75000"/>
@@ -2621,8 +2623,8 @@
         </p:nvSpPr>
         <p:spPr>
           <a:xfrm>
-            <a:off x="4843463" y="4746665"/>
-            <a:ext cx="1543050" cy="272660"/>
+            <a:off x="8610600" y="3813810"/>
+            <a:ext cx="2743200" cy="219075"/>
           </a:xfrm>
           <a:prstGeom prst="rect">
             <a:avLst/>
@@ -2632,7 +2634,7 @@
           <a:bodyPr vert="horz" lIns="91440" tIns="45720" rIns="91440" bIns="45720" rtlCol="0" anchor="ctr"/>
           <a:lstStyle>
             <a:lvl1pPr algn="r">
-              <a:defRPr sz="896">
+              <a:defRPr sz="720">
                 <a:solidFill>
                   <a:schemeClr val="tx1">
                     <a:tint val="75000"/>
@@ -2642,7 +2644,7 @@
             </a:lvl1pPr>
           </a:lstStyle>
           <a:p>
-            <a:fld id="{BDE76867-A68E-9544-9830-80F90AD71362}" type="slidenum">
+            <a:fld id="{D340D7BD-3C35-8544-921E-E944BCC48069}" type="slidenum">
               <a:rPr lang="en-US" smtClean="0"/>
               <a:t>‹#›</a:t>
             </a:fld>
@@ -2653,27 +2655,27 @@
     </p:spTree>
     <p:extLst>
       <p:ext uri="{BB962C8B-B14F-4D97-AF65-F5344CB8AC3E}">
-        <p14:creationId xmlns:p14="http://schemas.microsoft.com/office/powerpoint/2010/main" val="3876114615"/>
+        <p14:creationId xmlns:p14="http://schemas.microsoft.com/office/powerpoint/2010/main" val="3001738351"/>
       </p:ext>
     </p:extLst>
   </p:cSld>
   <p:clrMap bg1="lt1" tx1="dk1" bg2="lt2" tx2="dk2" accent1="accent1" accent2="accent2" accent3="accent3" accent4="accent4" accent5="accent5" accent6="accent6" hlink="hlink" folHlink="folHlink"/>
   <p:sldLayoutIdLst>
-    <p:sldLayoutId id="2147483697" r:id="rId1"/>
-    <p:sldLayoutId id="2147483698" r:id="rId2"/>
-    <p:sldLayoutId id="2147483699" r:id="rId3"/>
-    <p:sldLayoutId id="2147483700" r:id="rId4"/>
-    <p:sldLayoutId id="2147483701" r:id="rId5"/>
-    <p:sldLayoutId id="2147483702" r:id="rId6"/>
-    <p:sldLayoutId id="2147483703" r:id="rId7"/>
-    <p:sldLayoutId id="2147483704" r:id="rId8"/>
-    <p:sldLayoutId id="2147483705" r:id="rId9"/>
-    <p:sldLayoutId id="2147483706" r:id="rId10"/>
-    <p:sldLayoutId id="2147483707" r:id="rId11"/>
+    <p:sldLayoutId id="2147483661" r:id="rId1"/>
+    <p:sldLayoutId id="2147483662" r:id="rId2"/>
+    <p:sldLayoutId id="2147483663" r:id="rId3"/>
+    <p:sldLayoutId id="2147483664" r:id="rId4"/>
+    <p:sldLayoutId id="2147483665" r:id="rId5"/>
+    <p:sldLayoutId id="2147483666" r:id="rId6"/>
+    <p:sldLayoutId id="2147483667" r:id="rId7"/>
+    <p:sldLayoutId id="2147483668" r:id="rId8"/>
+    <p:sldLayoutId id="2147483669" r:id="rId9"/>
+    <p:sldLayoutId id="2147483670" r:id="rId10"/>
+    <p:sldLayoutId id="2147483671" r:id="rId11"/>
   </p:sldLayoutIdLst>
   <p:txStyles>
     <p:titleStyle>
-      <a:lvl1pPr algn="l" defTabSz="682874" rtl="0" eaLnBrk="1" latinLnBrk="0" hangingPunct="1">
+      <a:lvl1pPr algn="l" defTabSz="548640" rtl="0" eaLnBrk="1" latinLnBrk="0" hangingPunct="1">
         <a:lnSpc>
           <a:spcPct val="90000"/>
         </a:lnSpc>
@@ -2681,7 +2683,7 @@
           <a:spcPct val="0"/>
         </a:spcBef>
         <a:buNone/>
-        <a:defRPr sz="3286" kern="1200">
+        <a:defRPr sz="2640" kern="1200">
           <a:solidFill>
             <a:schemeClr val="tx1"/>
           </a:solidFill>
@@ -2692,16 +2694,16 @@
       </a:lvl1pPr>
     </p:titleStyle>
     <p:bodyStyle>
-      <a:lvl1pPr marL="170718" indent="-170718" algn="l" defTabSz="682874" rtl="0" eaLnBrk="1" latinLnBrk="0" hangingPunct="1">
+      <a:lvl1pPr marL="137160" indent="-137160" algn="l" defTabSz="548640" rtl="0" eaLnBrk="1" latinLnBrk="0" hangingPunct="1">
         <a:lnSpc>
           <a:spcPct val="90000"/>
         </a:lnSpc>
         <a:spcBef>
-          <a:spcPts val="747"/>
+          <a:spcPts val="600"/>
         </a:spcBef>
         <a:buFont typeface="Arial" panose="020B0604020202020204" pitchFamily="34" charset="0"/>
         <a:buChar char="•"/>
-        <a:defRPr sz="2091" kern="1200">
+        <a:defRPr sz="1680" kern="1200">
           <a:solidFill>
             <a:schemeClr val="tx1"/>
           </a:solidFill>
@@ -2710,16 +2712,16 @@
           <a:cs typeface="+mn-cs"/>
         </a:defRPr>
       </a:lvl1pPr>
-      <a:lvl2pPr marL="512155" indent="-170718" algn="l" defTabSz="682874" rtl="0" eaLnBrk="1" latinLnBrk="0" hangingPunct="1">
+      <a:lvl2pPr marL="411480" indent="-137160" algn="l" defTabSz="548640" rtl="0" eaLnBrk="1" latinLnBrk="0" hangingPunct="1">
         <a:lnSpc>
           <a:spcPct val="90000"/>
         </a:lnSpc>
         <a:spcBef>
-          <a:spcPts val="373"/>
+          <a:spcPts val="300"/>
         </a:spcBef>
         <a:buFont typeface="Arial" panose="020B0604020202020204" pitchFamily="34" charset="0"/>
         <a:buChar char="•"/>
-        <a:defRPr sz="1792" kern="1200">
+        <a:defRPr sz="1440" kern="1200">
           <a:solidFill>
             <a:schemeClr val="tx1"/>
           </a:solidFill>
@@ -2728,16 +2730,16 @@
           <a:cs typeface="+mn-cs"/>
         </a:defRPr>
       </a:lvl2pPr>
-      <a:lvl3pPr marL="853592" indent="-170718" algn="l" defTabSz="682874" rtl="0" eaLnBrk="1" latinLnBrk="0" hangingPunct="1">
+      <a:lvl3pPr marL="685800" indent="-137160" algn="l" defTabSz="548640" rtl="0" eaLnBrk="1" latinLnBrk="0" hangingPunct="1">
         <a:lnSpc>
           <a:spcPct val="90000"/>
         </a:lnSpc>
         <a:spcBef>
-          <a:spcPts val="373"/>
+          <a:spcPts val="300"/>
         </a:spcBef>
         <a:buFont typeface="Arial" panose="020B0604020202020204" pitchFamily="34" charset="0"/>
         <a:buChar char="•"/>
-        <a:defRPr sz="1494" kern="1200">
+        <a:defRPr sz="1200" kern="1200">
           <a:solidFill>
             <a:schemeClr val="tx1"/>
           </a:solidFill>
@@ -2746,16 +2748,16 @@
           <a:cs typeface="+mn-cs"/>
         </a:defRPr>
       </a:lvl3pPr>
-      <a:lvl4pPr marL="1195029" indent="-170718" algn="l" defTabSz="682874" rtl="0" eaLnBrk="1" latinLnBrk="0" hangingPunct="1">
+      <a:lvl4pPr marL="960120" indent="-137160" algn="l" defTabSz="548640" rtl="0" eaLnBrk="1" latinLnBrk="0" hangingPunct="1">
         <a:lnSpc>
           <a:spcPct val="90000"/>
         </a:lnSpc>
         <a:spcBef>
-          <a:spcPts val="373"/>
+          <a:spcPts val="300"/>
         </a:spcBef>
         <a:buFont typeface="Arial" panose="020B0604020202020204" pitchFamily="34" charset="0"/>
         <a:buChar char="•"/>
-        <a:defRPr sz="1344" kern="1200">
+        <a:defRPr sz="1080" kern="1200">
           <a:solidFill>
             <a:schemeClr val="tx1"/>
           </a:solidFill>
@@ -2764,16 +2766,16 @@
           <a:cs typeface="+mn-cs"/>
         </a:defRPr>
       </a:lvl4pPr>
-      <a:lvl5pPr marL="1536466" indent="-170718" algn="l" defTabSz="682874" rtl="0" eaLnBrk="1" latinLnBrk="0" hangingPunct="1">
+      <a:lvl5pPr marL="1234440" indent="-137160" algn="l" defTabSz="548640" rtl="0" eaLnBrk="1" latinLnBrk="0" hangingPunct="1">
         <a:lnSpc>
           <a:spcPct val="90000"/>
         </a:lnSpc>
         <a:spcBef>
-          <a:spcPts val="373"/>
+          <a:spcPts val="300"/>
         </a:spcBef>
         <a:buFont typeface="Arial" panose="020B0604020202020204" pitchFamily="34" charset="0"/>
         <a:buChar char="•"/>
-        <a:defRPr sz="1344" kern="1200">
+        <a:defRPr sz="1080" kern="1200">
           <a:solidFill>
             <a:schemeClr val="tx1"/>
           </a:solidFill>
@@ -2782,16 +2784,16 @@
           <a:cs typeface="+mn-cs"/>
         </a:defRPr>
       </a:lvl5pPr>
-      <a:lvl6pPr marL="1877903" indent="-170718" algn="l" defTabSz="682874" rtl="0" eaLnBrk="1" latinLnBrk="0" hangingPunct="1">
+      <a:lvl6pPr marL="1508760" indent="-137160" algn="l" defTabSz="548640" rtl="0" eaLnBrk="1" latinLnBrk="0" hangingPunct="1">
         <a:lnSpc>
           <a:spcPct val="90000"/>
         </a:lnSpc>
         <a:spcBef>
-          <a:spcPts val="373"/>
+          <a:spcPts val="300"/>
         </a:spcBef>
         <a:buFont typeface="Arial" panose="020B0604020202020204" pitchFamily="34" charset="0"/>
         <a:buChar char="•"/>
-        <a:defRPr sz="1344" kern="1200">
+        <a:defRPr sz="1080" kern="1200">
           <a:solidFill>
             <a:schemeClr val="tx1"/>
           </a:solidFill>
@@ -2800,16 +2802,16 @@
           <a:cs typeface="+mn-cs"/>
         </a:defRPr>
       </a:lvl6pPr>
-      <a:lvl7pPr marL="2219340" indent="-170718" algn="l" defTabSz="682874" rtl="0" eaLnBrk="1" latinLnBrk="0" hangingPunct="1">
+      <a:lvl7pPr marL="1783080" indent="-137160" algn="l" defTabSz="548640" rtl="0" eaLnBrk="1" latinLnBrk="0" hangingPunct="1">
         <a:lnSpc>
           <a:spcPct val="90000"/>
         </a:lnSpc>
         <a:spcBef>
-          <a:spcPts val="373"/>
+          <a:spcPts val="300"/>
         </a:spcBef>
         <a:buFont typeface="Arial" panose="020B0604020202020204" pitchFamily="34" charset="0"/>
         <a:buChar char="•"/>
-        <a:defRPr sz="1344" kern="1200">
+        <a:defRPr sz="1080" kern="1200">
           <a:solidFill>
             <a:schemeClr val="tx1"/>
           </a:solidFill>
@@ -2818,16 +2820,16 @@
           <a:cs typeface="+mn-cs"/>
         </a:defRPr>
       </a:lvl7pPr>
-      <a:lvl8pPr marL="2560777" indent="-170718" algn="l" defTabSz="682874" rtl="0" eaLnBrk="1" latinLnBrk="0" hangingPunct="1">
+      <a:lvl8pPr marL="2057400" indent="-137160" algn="l" defTabSz="548640" rtl="0" eaLnBrk="1" latinLnBrk="0" hangingPunct="1">
         <a:lnSpc>
           <a:spcPct val="90000"/>
         </a:lnSpc>
         <a:spcBef>
-          <a:spcPts val="373"/>
+          <a:spcPts val="300"/>
         </a:spcBef>
         <a:buFont typeface="Arial" panose="020B0604020202020204" pitchFamily="34" charset="0"/>
         <a:buChar char="•"/>
-        <a:defRPr sz="1344" kern="1200">
+        <a:defRPr sz="1080" kern="1200">
           <a:solidFill>
             <a:schemeClr val="tx1"/>
           </a:solidFill>
@@ -2836,16 +2838,16 @@
           <a:cs typeface="+mn-cs"/>
         </a:defRPr>
       </a:lvl8pPr>
-      <a:lvl9pPr marL="2902214" indent="-170718" algn="l" defTabSz="682874" rtl="0" eaLnBrk="1" latinLnBrk="0" hangingPunct="1">
+      <a:lvl9pPr marL="2331720" indent="-137160" algn="l" defTabSz="548640" rtl="0" eaLnBrk="1" latinLnBrk="0" hangingPunct="1">
         <a:lnSpc>
           <a:spcPct val="90000"/>
         </a:lnSpc>
         <a:spcBef>
-          <a:spcPts val="373"/>
+          <a:spcPts val="300"/>
         </a:spcBef>
         <a:buFont typeface="Arial" panose="020B0604020202020204" pitchFamily="34" charset="0"/>
         <a:buChar char="•"/>
-        <a:defRPr sz="1344" kern="1200">
+        <a:defRPr sz="1080" kern="1200">
           <a:solidFill>
             <a:schemeClr val="tx1"/>
           </a:solidFill>
@@ -2859,8 +2861,8 @@
       <a:defPPr>
         <a:defRPr lang="en-US"/>
       </a:defPPr>
-      <a:lvl1pPr marL="0" algn="l" defTabSz="682874" rtl="0" eaLnBrk="1" latinLnBrk="0" hangingPunct="1">
-        <a:defRPr sz="1344" kern="1200">
+      <a:lvl1pPr marL="0" algn="l" defTabSz="548640" rtl="0" eaLnBrk="1" latinLnBrk="0" hangingPunct="1">
+        <a:defRPr sz="1080" kern="1200">
           <a:solidFill>
             <a:schemeClr val="tx1"/>
           </a:solidFill>
@@ -2869,8 +2871,8 @@
           <a:cs typeface="+mn-cs"/>
         </a:defRPr>
       </a:lvl1pPr>
-      <a:lvl2pPr marL="341437" algn="l" defTabSz="682874" rtl="0" eaLnBrk="1" latinLnBrk="0" hangingPunct="1">
-        <a:defRPr sz="1344" kern="1200">
+      <a:lvl2pPr marL="274320" algn="l" defTabSz="548640" rtl="0" eaLnBrk="1" latinLnBrk="0" hangingPunct="1">
+        <a:defRPr sz="1080" kern="1200">
           <a:solidFill>
             <a:schemeClr val="tx1"/>
           </a:solidFill>
@@ -2879,8 +2881,8 @@
           <a:cs typeface="+mn-cs"/>
         </a:defRPr>
       </a:lvl2pPr>
-      <a:lvl3pPr marL="682874" algn="l" defTabSz="682874" rtl="0" eaLnBrk="1" latinLnBrk="0" hangingPunct="1">
-        <a:defRPr sz="1344" kern="1200">
+      <a:lvl3pPr marL="548640" algn="l" defTabSz="548640" rtl="0" eaLnBrk="1" latinLnBrk="0" hangingPunct="1">
+        <a:defRPr sz="1080" kern="1200">
           <a:solidFill>
             <a:schemeClr val="tx1"/>
           </a:solidFill>
@@ -2889,8 +2891,8 @@
           <a:cs typeface="+mn-cs"/>
         </a:defRPr>
       </a:lvl3pPr>
-      <a:lvl4pPr marL="1024311" algn="l" defTabSz="682874" rtl="0" eaLnBrk="1" latinLnBrk="0" hangingPunct="1">
-        <a:defRPr sz="1344" kern="1200">
+      <a:lvl4pPr marL="822960" algn="l" defTabSz="548640" rtl="0" eaLnBrk="1" latinLnBrk="0" hangingPunct="1">
+        <a:defRPr sz="1080" kern="1200">
           <a:solidFill>
             <a:schemeClr val="tx1"/>
           </a:solidFill>
@@ -2899,8 +2901,8 @@
           <a:cs typeface="+mn-cs"/>
         </a:defRPr>
       </a:lvl4pPr>
-      <a:lvl5pPr marL="1365748" algn="l" defTabSz="682874" rtl="0" eaLnBrk="1" latinLnBrk="0" hangingPunct="1">
-        <a:defRPr sz="1344" kern="1200">
+      <a:lvl5pPr marL="1097280" algn="l" defTabSz="548640" rtl="0" eaLnBrk="1" latinLnBrk="0" hangingPunct="1">
+        <a:defRPr sz="1080" kern="1200">
           <a:solidFill>
             <a:schemeClr val="tx1"/>
           </a:solidFill>
@@ -2909,8 +2911,8 @@
           <a:cs typeface="+mn-cs"/>
         </a:defRPr>
       </a:lvl5pPr>
-      <a:lvl6pPr marL="1707185" algn="l" defTabSz="682874" rtl="0" eaLnBrk="1" latinLnBrk="0" hangingPunct="1">
-        <a:defRPr sz="1344" kern="1200">
+      <a:lvl6pPr marL="1371600" algn="l" defTabSz="548640" rtl="0" eaLnBrk="1" latinLnBrk="0" hangingPunct="1">
+        <a:defRPr sz="1080" kern="1200">
           <a:solidFill>
             <a:schemeClr val="tx1"/>
           </a:solidFill>
@@ -2919,8 +2921,8 @@
           <a:cs typeface="+mn-cs"/>
         </a:defRPr>
       </a:lvl6pPr>
-      <a:lvl7pPr marL="2048622" algn="l" defTabSz="682874" rtl="0" eaLnBrk="1" latinLnBrk="0" hangingPunct="1">
-        <a:defRPr sz="1344" kern="1200">
+      <a:lvl7pPr marL="1645920" algn="l" defTabSz="548640" rtl="0" eaLnBrk="1" latinLnBrk="0" hangingPunct="1">
+        <a:defRPr sz="1080" kern="1200">
           <a:solidFill>
             <a:schemeClr val="tx1"/>
           </a:solidFill>
@@ -2929,8 +2931,8 @@
           <a:cs typeface="+mn-cs"/>
         </a:defRPr>
       </a:lvl7pPr>
-      <a:lvl8pPr marL="2390059" algn="l" defTabSz="682874" rtl="0" eaLnBrk="1" latinLnBrk="0" hangingPunct="1">
-        <a:defRPr sz="1344" kern="1200">
+      <a:lvl8pPr marL="1920240" algn="l" defTabSz="548640" rtl="0" eaLnBrk="1" latinLnBrk="0" hangingPunct="1">
+        <a:defRPr sz="1080" kern="1200">
           <a:solidFill>
             <a:schemeClr val="tx1"/>
           </a:solidFill>
@@ -2939,8 +2941,8 @@
           <a:cs typeface="+mn-cs"/>
         </a:defRPr>
       </a:lvl8pPr>
-      <a:lvl9pPr marL="2731496" algn="l" defTabSz="682874" rtl="0" eaLnBrk="1" latinLnBrk="0" hangingPunct="1">
-        <a:defRPr sz="1344" kern="1200">
+      <a:lvl9pPr marL="2194560" algn="l" defTabSz="548640" rtl="0" eaLnBrk="1" latinLnBrk="0" hangingPunct="1">
+        <a:defRPr sz="1080" kern="1200">
           <a:solidFill>
             <a:schemeClr val="tx1"/>
           </a:solidFill>
@@ -2973,10 +2975,10 @@
       </p:grpSpPr>
       <p:pic>
         <p:nvPicPr>
-          <p:cNvPr id="3" name="Picture 2">
+          <p:cNvPr id="6" name="Picture 5">
             <a:extLst>
               <a:ext uri="{FF2B5EF4-FFF2-40B4-BE49-F238E27FC236}">
-                <a16:creationId xmlns:a16="http://schemas.microsoft.com/office/drawing/2014/main" id="{2B8D2A37-3DA4-0643-BAD6-F613150A9E0E}"/>
+                <a16:creationId xmlns:a16="http://schemas.microsoft.com/office/drawing/2014/main" id="{0CA18124-29D0-824D-B3B5-EAC00BC73C64}"/>
               </a:ext>
             </a:extLst>
           </p:cNvPr>
@@ -2987,111 +2989,25 @@
         </p:nvPicPr>
         <p:blipFill rotWithShape="1">
           <a:blip r:embed="rId2"/>
-          <a:srcRect l="3805" b="52584"/>
+          <a:srcRect r="15979" b="50027"/>
           <a:stretch/>
         </p:blipFill>
         <p:spPr>
           <a:xfrm>
-            <a:off x="429997" y="69138"/>
-            <a:ext cx="6307103" cy="3143407"/>
+            <a:off x="6277597" y="177267"/>
+            <a:ext cx="5867874" cy="1863047"/>
           </a:xfrm>
           <a:prstGeom prst="rect">
             <a:avLst/>
           </a:prstGeom>
         </p:spPr>
       </p:pic>
-      <p:sp>
-        <p:nvSpPr>
-          <p:cNvPr id="6" name="Rectangle 5">
+      <p:pic>
+        <p:nvPicPr>
+          <p:cNvPr id="19" name="Picture 18">
             <a:extLst>
               <a:ext uri="{FF2B5EF4-FFF2-40B4-BE49-F238E27FC236}">
-                <a16:creationId xmlns:a16="http://schemas.microsoft.com/office/drawing/2014/main" id="{374DD333-6C9E-B34E-96BD-9901BB89918F}"/>
-              </a:ext>
-            </a:extLst>
-          </p:cNvPr>
-          <p:cNvSpPr/>
-          <p:nvPr/>
-        </p:nvSpPr>
-        <p:spPr>
-          <a:xfrm>
-            <a:off x="1929749" y="43736"/>
-            <a:ext cx="696024" cy="338554"/>
-          </a:xfrm>
-          <a:prstGeom prst="rect">
-            <a:avLst/>
-          </a:prstGeom>
-          <a:solidFill>
-            <a:schemeClr val="bg1"/>
-          </a:solidFill>
-        </p:spPr>
-        <p:txBody>
-          <a:bodyPr wrap="none">
-            <a:spAutoFit/>
-          </a:bodyPr>
-          <a:lstStyle/>
-          <a:p>
-            <a:r>
-              <a:rPr lang="en-US" sz="1600" dirty="0">
-                <a:solidFill>
-                  <a:srgbClr val="262626"/>
-                </a:solidFill>
-                <a:latin typeface="Arial" panose="020B0604020202020204" pitchFamily="34" charset="0"/>
-                <a:cs typeface="Arial" panose="020B0604020202020204" pitchFamily="34" charset="0"/>
-              </a:rPr>
-              <a:t>Spike</a:t>
-            </a:r>
-          </a:p>
-        </p:txBody>
-      </p:sp>
-      <p:sp>
-        <p:nvSpPr>
-          <p:cNvPr id="7" name="Rectangle 6">
-            <a:extLst>
-              <a:ext uri="{FF2B5EF4-FFF2-40B4-BE49-F238E27FC236}">
-                <a16:creationId xmlns:a16="http://schemas.microsoft.com/office/drawing/2014/main" id="{AC8BDF27-0A36-C94B-9B1A-C501862E5B24}"/>
-              </a:ext>
-            </a:extLst>
-          </p:cNvPr>
-          <p:cNvSpPr/>
-          <p:nvPr/>
-        </p:nvSpPr>
-        <p:spPr>
-          <a:xfrm>
-            <a:off x="5251898" y="43736"/>
-            <a:ext cx="434734" cy="338554"/>
-          </a:xfrm>
-          <a:prstGeom prst="rect">
-            <a:avLst/>
-          </a:prstGeom>
-          <a:solidFill>
-            <a:schemeClr val="bg1"/>
-          </a:solidFill>
-        </p:spPr>
-        <p:txBody>
-          <a:bodyPr wrap="none">
-            <a:spAutoFit/>
-          </a:bodyPr>
-          <a:lstStyle/>
-          <a:p>
-            <a:r>
-              <a:rPr lang="en-US" sz="1600" dirty="0">
-                <a:solidFill>
-                  <a:srgbClr val="262626"/>
-                </a:solidFill>
-                <a:latin typeface="Arial" panose="020B0604020202020204" pitchFamily="34" charset="0"/>
-                <a:cs typeface="Arial" panose="020B0604020202020204" pitchFamily="34" charset="0"/>
-              </a:rPr>
-              <a:t>S1</a:t>
-            </a:r>
-          </a:p>
-        </p:txBody>
-      </p:sp>
-      <p:pic>
-        <p:nvPicPr>
-          <p:cNvPr id="10" name="Picture 9">
-            <a:extLst>
-              <a:ext uri="{FF2B5EF4-FFF2-40B4-BE49-F238E27FC236}">
-                <a16:creationId xmlns:a16="http://schemas.microsoft.com/office/drawing/2014/main" id="{2A8F8540-835D-314E-8DC3-3A27EAF08013}"/>
+                <a16:creationId xmlns:a16="http://schemas.microsoft.com/office/drawing/2014/main" id="{C89C7A12-EB68-1A47-ABD5-665346F0FFD5}"/>
               </a:ext>
             </a:extLst>
           </p:cNvPr>
@@ -3102,68 +3018,54 @@
         </p:nvPicPr>
         <p:blipFill rotWithShape="1">
           <a:blip r:embed="rId2"/>
-          <a:srcRect l="3805" t="75565" b="3600"/>
+          <a:srcRect l="1" t="50194" r="57437"/>
           <a:stretch/>
         </p:blipFill>
         <p:spPr>
           <a:xfrm>
-            <a:off x="429997" y="3553114"/>
-            <a:ext cx="6307103" cy="1381246"/>
+            <a:off x="9192229" y="2048586"/>
+            <a:ext cx="2972559" cy="1856833"/>
           </a:xfrm>
           <a:prstGeom prst="rect">
             <a:avLst/>
           </a:prstGeom>
         </p:spPr>
       </p:pic>
-      <p:sp>
-        <p:nvSpPr>
-          <p:cNvPr id="11" name="TextBox 10">
+      <p:pic>
+        <p:nvPicPr>
+          <p:cNvPr id="3" name="Picture 2">
             <a:extLst>
               <a:ext uri="{FF2B5EF4-FFF2-40B4-BE49-F238E27FC236}">
-                <a16:creationId xmlns:a16="http://schemas.microsoft.com/office/drawing/2014/main" id="{03FB3531-078C-4547-957F-25BAC7042337}"/>
+                <a16:creationId xmlns:a16="http://schemas.microsoft.com/office/drawing/2014/main" id="{5EB189F0-2A17-BC48-8241-83850DE88612}"/>
               </a:ext>
             </a:extLst>
           </p:cNvPr>
-          <p:cNvSpPr txBox="1"/>
+          <p:cNvPicPr>
+            <a:picLocks noChangeAspect="1"/>
+          </p:cNvPicPr>
           <p:nvPr/>
-        </p:nvSpPr>
+        </p:nvPicPr>
+        <p:blipFill rotWithShape="1">
+          <a:blip r:embed="rId3"/>
+          <a:srcRect r="15991"/>
+          <a:stretch/>
+        </p:blipFill>
         <p:spPr>
-          <a:xfrm rot="16200000">
-            <a:off x="-1352865" y="2154874"/>
-            <a:ext cx="3227165" cy="338554"/>
+          <a:xfrm>
+            <a:off x="174956" y="177267"/>
+            <a:ext cx="5867085" cy="3728152"/>
           </a:xfrm>
           <a:prstGeom prst="rect">
             <a:avLst/>
           </a:prstGeom>
-          <a:solidFill>
-            <a:schemeClr val="bg1"/>
-          </a:solidFill>
         </p:spPr>
-        <p:txBody>
-          <a:bodyPr wrap="none" rtlCol="0">
-            <a:spAutoFit/>
-          </a:bodyPr>
-          <a:lstStyle/>
-          <a:p>
-            <a:r>
-              <a:rPr lang="en-US" sz="1600" dirty="0">
-                <a:solidFill>
-                  <a:srgbClr val="262626"/>
-                </a:solidFill>
-                <a:latin typeface="Arial" panose="020B0604020202020204" pitchFamily="34" charset="0"/>
-                <a:cs typeface="Arial" panose="020B0604020202020204" pitchFamily="34" charset="0"/>
-              </a:rPr>
-              <a:t>Adaptive Substitutions per Codon</a:t>
-            </a:r>
-          </a:p>
-        </p:txBody>
-      </p:sp>
+      </p:pic>
       <p:sp>
         <p:nvSpPr>
           <p:cNvPr id="8" name="Rectangle 7">
             <a:extLst>
               <a:ext uri="{FF2B5EF4-FFF2-40B4-BE49-F238E27FC236}">
-                <a16:creationId xmlns:a16="http://schemas.microsoft.com/office/drawing/2014/main" id="{60C14543-BAFD-7347-8F5E-5B1A1D064549}"/>
+                <a16:creationId xmlns:a16="http://schemas.microsoft.com/office/drawing/2014/main" id="{680AB522-A694-4C45-84AE-3B09F7811FA9}"/>
               </a:ext>
             </a:extLst>
           </p:cNvPr>
@@ -3172,15 +3074,12 @@
         </p:nvSpPr>
         <p:spPr>
           <a:xfrm>
-            <a:off x="5115646" y="3383837"/>
-            <a:ext cx="707245" cy="338554"/>
+            <a:off x="26878" y="63310"/>
+            <a:ext cx="389850" cy="461665"/>
           </a:xfrm>
           <a:prstGeom prst="rect">
             <a:avLst/>
           </a:prstGeom>
-          <a:solidFill>
-            <a:schemeClr val="bg1"/>
-          </a:solidFill>
         </p:spPr>
         <p:txBody>
           <a:bodyPr wrap="none">
@@ -3189,65 +3088,456 @@
           <a:lstStyle/>
           <a:p>
             <a:r>
-              <a:rPr lang="en-US" sz="1600" dirty="0">
-                <a:solidFill>
-                  <a:srgbClr val="262626"/>
-                </a:solidFill>
+              <a:rPr lang="en-US" sz="2400" dirty="0">
                 <a:latin typeface="Arial" panose="020B0604020202020204" pitchFamily="34" charset="0"/>
                 <a:cs typeface="Arial" panose="020B0604020202020204" pitchFamily="34" charset="0"/>
               </a:rPr>
-              <a:t>RdRp</a:t>
-            </a:r>
-          </a:p>
-        </p:txBody>
-      </p:sp>
-      <p:sp>
-        <p:nvSpPr>
-          <p:cNvPr id="9" name="TextBox 8">
+              <a:t>A</a:t>
+            </a:r>
+          </a:p>
+        </p:txBody>
+      </p:sp>
+      <p:sp>
+        <p:nvSpPr>
+          <p:cNvPr id="9" name="Rectangle 8">
             <a:extLst>
               <a:ext uri="{FF2B5EF4-FFF2-40B4-BE49-F238E27FC236}">
-                <a16:creationId xmlns:a16="http://schemas.microsoft.com/office/drawing/2014/main" id="{69EDA11E-F109-4140-9C22-611E190756FC}"/>
+                <a16:creationId xmlns:a16="http://schemas.microsoft.com/office/drawing/2014/main" id="{626F7ABB-C281-384D-9F38-B4C0C893DE3F}"/>
               </a:ext>
             </a:extLst>
           </p:cNvPr>
-          <p:cNvSpPr txBox="1"/>
+          <p:cNvSpPr/>
           <p:nvPr/>
         </p:nvSpPr>
         <p:spPr>
           <a:xfrm>
-            <a:off x="2077224" y="3383837"/>
-            <a:ext cx="434734" cy="338554"/>
+            <a:off x="6031124" y="63310"/>
+            <a:ext cx="389850" cy="461665"/>
           </a:xfrm>
           <a:prstGeom prst="rect">
             <a:avLst/>
           </a:prstGeom>
-          <a:solidFill>
-            <a:schemeClr val="bg1"/>
-          </a:solidFill>
         </p:spPr>
         <p:txBody>
-          <a:bodyPr wrap="none" rtlCol="0">
+          <a:bodyPr wrap="none">
             <a:spAutoFit/>
           </a:bodyPr>
           <a:lstStyle/>
           <a:p>
             <a:r>
-              <a:rPr lang="en-US" sz="1600" dirty="0">
-                <a:solidFill>
-                  <a:srgbClr val="262626"/>
-                </a:solidFill>
+              <a:rPr lang="en-US" sz="2400" dirty="0">
                 <a:latin typeface="Arial" panose="020B0604020202020204" pitchFamily="34" charset="0"/>
                 <a:cs typeface="Arial" panose="020B0604020202020204" pitchFamily="34" charset="0"/>
               </a:rPr>
-              <a:t>S2</a:t>
-            </a:r>
-          </a:p>
-        </p:txBody>
-      </p:sp>
+              <a:t>B</a:t>
+            </a:r>
+          </a:p>
+        </p:txBody>
+      </p:sp>
+      <p:grpSp>
+        <p:nvGrpSpPr>
+          <p:cNvPr id="10" name="Group 9">
+            <a:extLst>
+              <a:ext uri="{FF2B5EF4-FFF2-40B4-BE49-F238E27FC236}">
+                <a16:creationId xmlns:a16="http://schemas.microsoft.com/office/drawing/2014/main" id="{2C9A54C6-478B-7E4D-93EA-E32C650B2129}"/>
+              </a:ext>
+            </a:extLst>
+          </p:cNvPr>
+          <p:cNvGrpSpPr/>
+          <p:nvPr/>
+        </p:nvGrpSpPr>
+        <p:grpSpPr>
+          <a:xfrm>
+            <a:off x="4519612" y="2561282"/>
+            <a:ext cx="3437419" cy="1046440"/>
+            <a:chOff x="3743310" y="5318825"/>
+            <a:chExt cx="3437419" cy="1046440"/>
+          </a:xfrm>
+        </p:grpSpPr>
+        <p:sp>
+          <p:nvSpPr>
+            <p:cNvPr id="11" name="TextBox 10">
+              <a:extLst>
+                <a:ext uri="{FF2B5EF4-FFF2-40B4-BE49-F238E27FC236}">
+                  <a16:creationId xmlns:a16="http://schemas.microsoft.com/office/drawing/2014/main" id="{840959F4-9992-C34C-9424-03DF2D245CBA}"/>
+                </a:ext>
+              </a:extLst>
+            </p:cNvPr>
+            <p:cNvSpPr txBox="1"/>
+            <p:nvPr/>
+          </p:nvSpPr>
+          <p:spPr>
+            <a:xfrm>
+              <a:off x="3743310" y="5318825"/>
+              <a:ext cx="3437419" cy="1046440"/>
+            </a:xfrm>
+            <a:prstGeom prst="rect">
+              <a:avLst/>
+            </a:prstGeom>
+            <a:noFill/>
+            <a:ln>
+              <a:solidFill>
+                <a:schemeClr val="tx1"/>
+              </a:solidFill>
+            </a:ln>
+          </p:spPr>
+          <p:txBody>
+            <a:bodyPr wrap="square" numCol="2" rtlCol="0">
+              <a:spAutoFit/>
+            </a:bodyPr>
+            <a:lstStyle/>
+            <a:p>
+              <a:r>
+                <a:rPr lang="en-US" sz="1400" dirty="0">
+                  <a:latin typeface="Arial" panose="020B0604020202020204" pitchFamily="34" charset="0"/>
+                  <a:cs typeface="Arial" panose="020B0604020202020204" pitchFamily="34" charset="0"/>
+                </a:rPr>
+                <a:t>Gene</a:t>
+              </a:r>
+            </a:p>
+            <a:p>
+              <a:r>
+                <a:rPr lang="en-US" sz="1200" dirty="0">
+                  <a:solidFill>
+                    <a:srgbClr val="009888"/>
+                  </a:solidFill>
+                  <a:latin typeface="Arial" panose="020B0604020202020204" pitchFamily="34" charset="0"/>
+                  <a:cs typeface="Arial" panose="020B0604020202020204" pitchFamily="34" charset="0"/>
+                </a:rPr>
+                <a:t>         Spike</a:t>
+              </a:r>
+            </a:p>
+            <a:p>
+              <a:r>
+                <a:rPr lang="en-US" sz="1200" dirty="0">
+                  <a:solidFill>
+                    <a:srgbClr val="FF9A00"/>
+                  </a:solidFill>
+                  <a:latin typeface="Arial" panose="020B0604020202020204" pitchFamily="34" charset="0"/>
+                  <a:cs typeface="Arial" panose="020B0604020202020204" pitchFamily="34" charset="0"/>
+                </a:rPr>
+                <a:t>         RdRp </a:t>
+              </a:r>
+            </a:p>
+            <a:p>
+              <a:r>
+                <a:rPr lang="en-US" sz="1200" dirty="0">
+                  <a:solidFill>
+                    <a:srgbClr val="87C735"/>
+                  </a:solidFill>
+                  <a:latin typeface="Arial" panose="020B0604020202020204" pitchFamily="34" charset="0"/>
+                  <a:cs typeface="Arial" panose="020B0604020202020204" pitchFamily="34" charset="0"/>
+                </a:rPr>
+                <a:t>         S1</a:t>
+              </a:r>
+            </a:p>
+            <a:p>
+              <a:r>
+                <a:rPr lang="en-US" sz="1200" dirty="0">
+                  <a:solidFill>
+                    <a:srgbClr val="2E86C1"/>
+                  </a:solidFill>
+                  <a:latin typeface="Arial" panose="020B0604020202020204" pitchFamily="34" charset="0"/>
+                  <a:cs typeface="Arial" panose="020B0604020202020204" pitchFamily="34" charset="0"/>
+                </a:rPr>
+                <a:t>         S2</a:t>
+              </a:r>
+            </a:p>
+            <a:p>
+              <a:r>
+                <a:rPr lang="en-US" sz="1400" dirty="0">
+                  <a:latin typeface="Arial" panose="020B0604020202020204" pitchFamily="34" charset="0"/>
+                  <a:cs typeface="Arial" panose="020B0604020202020204" pitchFamily="34" charset="0"/>
+                </a:rPr>
+                <a:t>Substitution</a:t>
+              </a:r>
+            </a:p>
+            <a:p>
+              <a:r>
+                <a:rPr lang="en-US" sz="1200" dirty="0">
+                  <a:solidFill>
+                    <a:srgbClr val="009888"/>
+                  </a:solidFill>
+                  <a:latin typeface="Arial" panose="020B0604020202020204" pitchFamily="34" charset="0"/>
+                  <a:cs typeface="Arial" panose="020B0604020202020204" pitchFamily="34" charset="0"/>
+                </a:rPr>
+                <a:t>         </a:t>
+              </a:r>
+              <a:r>
+                <a:rPr lang="en-US" sz="1200" dirty="0">
+                  <a:latin typeface="Arial" panose="020B0604020202020204" pitchFamily="34" charset="0"/>
+                  <a:cs typeface="Arial" panose="020B0604020202020204" pitchFamily="34" charset="0"/>
+                </a:rPr>
+                <a:t>synonymous</a:t>
+              </a:r>
+            </a:p>
+            <a:p>
+              <a:r>
+                <a:rPr lang="en-US" sz="1200" dirty="0">
+                  <a:latin typeface="Arial" panose="020B0604020202020204" pitchFamily="34" charset="0"/>
+                  <a:cs typeface="Arial" panose="020B0604020202020204" pitchFamily="34" charset="0"/>
+                </a:rPr>
+                <a:t>         nonsynonymous</a:t>
+              </a:r>
+              <a:endParaRPr lang="en-US" sz="1400" dirty="0">
+                <a:latin typeface="Arial" panose="020B0604020202020204" pitchFamily="34" charset="0"/>
+                <a:cs typeface="Arial" panose="020B0604020202020204" pitchFamily="34" charset="0"/>
+              </a:endParaRPr>
+            </a:p>
+          </p:txBody>
+        </p:sp>
+        <p:cxnSp>
+          <p:nvCxnSpPr>
+            <p:cNvPr id="12" name="Straight Connector 11">
+              <a:extLst>
+                <a:ext uri="{FF2B5EF4-FFF2-40B4-BE49-F238E27FC236}">
+                  <a16:creationId xmlns:a16="http://schemas.microsoft.com/office/drawing/2014/main" id="{5C4E120F-7475-B246-99EA-247032F14FC8}"/>
+                </a:ext>
+              </a:extLst>
+            </p:cNvPr>
+            <p:cNvCxnSpPr/>
+            <p:nvPr/>
+          </p:nvCxnSpPr>
+          <p:spPr>
+            <a:xfrm>
+              <a:off x="3885355" y="5671306"/>
+              <a:ext cx="274320" cy="0"/>
+            </a:xfrm>
+            <a:prstGeom prst="line">
+              <a:avLst/>
+            </a:prstGeom>
+            <a:ln w="38100">
+              <a:solidFill>
+                <a:srgbClr val="009888"/>
+              </a:solidFill>
+            </a:ln>
+          </p:spPr>
+          <p:style>
+            <a:lnRef idx="1">
+              <a:schemeClr val="accent1"/>
+            </a:lnRef>
+            <a:fillRef idx="0">
+              <a:schemeClr val="accent1"/>
+            </a:fillRef>
+            <a:effectRef idx="0">
+              <a:schemeClr val="accent1"/>
+            </a:effectRef>
+            <a:fontRef idx="minor">
+              <a:schemeClr val="tx1"/>
+            </a:fontRef>
+          </p:style>
+        </p:cxnSp>
+        <p:cxnSp>
+          <p:nvCxnSpPr>
+            <p:cNvPr id="13" name="Straight Connector 12">
+              <a:extLst>
+                <a:ext uri="{FF2B5EF4-FFF2-40B4-BE49-F238E27FC236}">
+                  <a16:creationId xmlns:a16="http://schemas.microsoft.com/office/drawing/2014/main" id="{3A5F46E1-781B-1944-9598-DE318C2BCAD9}"/>
+                </a:ext>
+              </a:extLst>
+            </p:cNvPr>
+            <p:cNvCxnSpPr/>
+            <p:nvPr/>
+          </p:nvCxnSpPr>
+          <p:spPr>
+            <a:xfrm>
+              <a:off x="3885355" y="5848866"/>
+              <a:ext cx="274320" cy="0"/>
+            </a:xfrm>
+            <a:prstGeom prst="line">
+              <a:avLst/>
+            </a:prstGeom>
+            <a:ln w="38100">
+              <a:solidFill>
+                <a:srgbClr val="FF9A00"/>
+              </a:solidFill>
+            </a:ln>
+          </p:spPr>
+          <p:style>
+            <a:lnRef idx="1">
+              <a:schemeClr val="accent1"/>
+            </a:lnRef>
+            <a:fillRef idx="0">
+              <a:schemeClr val="accent1"/>
+            </a:fillRef>
+            <a:effectRef idx="0">
+              <a:schemeClr val="accent1"/>
+            </a:effectRef>
+            <a:fontRef idx="minor">
+              <a:schemeClr val="tx1"/>
+            </a:fontRef>
+          </p:style>
+        </p:cxnSp>
+        <p:cxnSp>
+          <p:nvCxnSpPr>
+            <p:cNvPr id="14" name="Straight Connector 13">
+              <a:extLst>
+                <a:ext uri="{FF2B5EF4-FFF2-40B4-BE49-F238E27FC236}">
+                  <a16:creationId xmlns:a16="http://schemas.microsoft.com/office/drawing/2014/main" id="{A2E40691-5045-4446-A6B6-CD674F469FBE}"/>
+                </a:ext>
+              </a:extLst>
+            </p:cNvPr>
+            <p:cNvCxnSpPr/>
+            <p:nvPr/>
+          </p:nvCxnSpPr>
+          <p:spPr>
+            <a:xfrm>
+              <a:off x="3885355" y="6029400"/>
+              <a:ext cx="274320" cy="0"/>
+            </a:xfrm>
+            <a:prstGeom prst="line">
+              <a:avLst/>
+            </a:prstGeom>
+            <a:ln w="38100">
+              <a:solidFill>
+                <a:srgbClr val="87C735"/>
+              </a:solidFill>
+            </a:ln>
+          </p:spPr>
+          <p:style>
+            <a:lnRef idx="1">
+              <a:schemeClr val="accent1"/>
+            </a:lnRef>
+            <a:fillRef idx="0">
+              <a:schemeClr val="accent1"/>
+            </a:fillRef>
+            <a:effectRef idx="0">
+              <a:schemeClr val="accent1"/>
+            </a:effectRef>
+            <a:fontRef idx="minor">
+              <a:schemeClr val="tx1"/>
+            </a:fontRef>
+          </p:style>
+        </p:cxnSp>
+        <p:cxnSp>
+          <p:nvCxnSpPr>
+            <p:cNvPr id="15" name="Straight Connector 14">
+              <a:extLst>
+                <a:ext uri="{FF2B5EF4-FFF2-40B4-BE49-F238E27FC236}">
+                  <a16:creationId xmlns:a16="http://schemas.microsoft.com/office/drawing/2014/main" id="{8AE6499D-F902-C642-B84A-9153B6046106}"/>
+                </a:ext>
+              </a:extLst>
+            </p:cNvPr>
+            <p:cNvCxnSpPr/>
+            <p:nvPr/>
+          </p:nvCxnSpPr>
+          <p:spPr>
+            <a:xfrm>
+              <a:off x="3885355" y="6215837"/>
+              <a:ext cx="274320" cy="0"/>
+            </a:xfrm>
+            <a:prstGeom prst="line">
+              <a:avLst/>
+            </a:prstGeom>
+            <a:ln w="38100">
+              <a:solidFill>
+                <a:srgbClr val="2E86C1"/>
+              </a:solidFill>
+            </a:ln>
+          </p:spPr>
+          <p:style>
+            <a:lnRef idx="1">
+              <a:schemeClr val="accent1"/>
+            </a:lnRef>
+            <a:fillRef idx="0">
+              <a:schemeClr val="accent1"/>
+            </a:fillRef>
+            <a:effectRef idx="0">
+              <a:schemeClr val="accent1"/>
+            </a:effectRef>
+            <a:fontRef idx="minor">
+              <a:schemeClr val="tx1"/>
+            </a:fontRef>
+          </p:style>
+        </p:cxnSp>
+        <p:cxnSp>
+          <p:nvCxnSpPr>
+            <p:cNvPr id="16" name="Straight Connector 15">
+              <a:extLst>
+                <a:ext uri="{FF2B5EF4-FFF2-40B4-BE49-F238E27FC236}">
+                  <a16:creationId xmlns:a16="http://schemas.microsoft.com/office/drawing/2014/main" id="{D71CDAB2-0A42-EB44-A09E-349628E0EF1B}"/>
+                </a:ext>
+              </a:extLst>
+            </p:cNvPr>
+            <p:cNvCxnSpPr/>
+            <p:nvPr/>
+          </p:nvCxnSpPr>
+          <p:spPr>
+            <a:xfrm>
+              <a:off x="5501295" y="5657859"/>
+              <a:ext cx="274320" cy="0"/>
+            </a:xfrm>
+            <a:prstGeom prst="line">
+              <a:avLst/>
+            </a:prstGeom>
+            <a:ln w="38100">
+              <a:solidFill>
+                <a:schemeClr val="tx1"/>
+              </a:solidFill>
+            </a:ln>
+          </p:spPr>
+          <p:style>
+            <a:lnRef idx="1">
+              <a:schemeClr val="accent1"/>
+            </a:lnRef>
+            <a:fillRef idx="0">
+              <a:schemeClr val="accent1"/>
+            </a:fillRef>
+            <a:effectRef idx="0">
+              <a:schemeClr val="accent1"/>
+            </a:effectRef>
+            <a:fontRef idx="minor">
+              <a:schemeClr val="tx1"/>
+            </a:fontRef>
+          </p:style>
+        </p:cxnSp>
+        <p:cxnSp>
+          <p:nvCxnSpPr>
+            <p:cNvPr id="17" name="Straight Connector 16">
+              <a:extLst>
+                <a:ext uri="{FF2B5EF4-FFF2-40B4-BE49-F238E27FC236}">
+                  <a16:creationId xmlns:a16="http://schemas.microsoft.com/office/drawing/2014/main" id="{2DA64EE0-85EC-0345-844D-FE9A32887DCE}"/>
+                </a:ext>
+              </a:extLst>
+            </p:cNvPr>
+            <p:cNvCxnSpPr/>
+            <p:nvPr/>
+          </p:nvCxnSpPr>
+          <p:spPr>
+            <a:xfrm>
+              <a:off x="5501295" y="5844296"/>
+              <a:ext cx="274320" cy="0"/>
+            </a:xfrm>
+            <a:prstGeom prst="line">
+              <a:avLst/>
+            </a:prstGeom>
+            <a:ln w="38100">
+              <a:solidFill>
+                <a:schemeClr val="tx1"/>
+              </a:solidFill>
+              <a:prstDash val="sysDash"/>
+            </a:ln>
+          </p:spPr>
+          <p:style>
+            <a:lnRef idx="1">
+              <a:schemeClr val="accent1"/>
+            </a:lnRef>
+            <a:fillRef idx="0">
+              <a:schemeClr val="accent1"/>
+            </a:fillRef>
+            <a:effectRef idx="0">
+              <a:schemeClr val="accent1"/>
+            </a:effectRef>
+            <a:fontRef idx="minor">
+              <a:schemeClr val="tx1"/>
+            </a:fontRef>
+          </p:style>
+        </p:cxnSp>
+      </p:grpSp>
     </p:spTree>
     <p:extLst>
       <p:ext uri="{BB962C8B-B14F-4D97-AF65-F5344CB8AC3E}">
-        <p14:creationId xmlns:p14="http://schemas.microsoft.com/office/powerpoint/2010/main" val="3171305823"/>
+        <p14:creationId xmlns:p14="http://schemas.microsoft.com/office/powerpoint/2010/main" val="1438135653"/>
       </p:ext>
     </p:extLst>
   </p:cSld>

--- a/figures/figure_components/figure3.pptx
+++ b/figures/figure_components/figure3.pptx
@@ -243,7 +243,7 @@
           <a:p>
             <a:fld id="{368CC5CE-77A5-F648-895D-B56A6D348C68}" type="datetimeFigureOut">
               <a:rPr lang="en-US" smtClean="0"/>
-              <a:t>10/9/20</a:t>
+              <a:t>10/29/20</a:t>
             </a:fld>
             <a:endParaRPr lang="en-US"/>
           </a:p>
@@ -413,7 +413,7 @@
           <a:p>
             <a:fld id="{368CC5CE-77A5-F648-895D-B56A6D348C68}" type="datetimeFigureOut">
               <a:rPr lang="en-US" smtClean="0"/>
-              <a:t>10/9/20</a:t>
+              <a:t>10/29/20</a:t>
             </a:fld>
             <a:endParaRPr lang="en-US"/>
           </a:p>
@@ -593,7 +593,7 @@
           <a:p>
             <a:fld id="{368CC5CE-77A5-F648-895D-B56A6D348C68}" type="datetimeFigureOut">
               <a:rPr lang="en-US" smtClean="0"/>
-              <a:t>10/9/20</a:t>
+              <a:t>10/29/20</a:t>
             </a:fld>
             <a:endParaRPr lang="en-US"/>
           </a:p>
@@ -763,7 +763,7 @@
           <a:p>
             <a:fld id="{368CC5CE-77A5-F648-895D-B56A6D348C68}" type="datetimeFigureOut">
               <a:rPr lang="en-US" smtClean="0"/>
-              <a:t>10/9/20</a:t>
+              <a:t>10/29/20</a:t>
             </a:fld>
             <a:endParaRPr lang="en-US"/>
           </a:p>
@@ -1009,7 +1009,7 @@
           <a:p>
             <a:fld id="{368CC5CE-77A5-F648-895D-B56A6D348C68}" type="datetimeFigureOut">
               <a:rPr lang="en-US" smtClean="0"/>
-              <a:t>10/9/20</a:t>
+              <a:t>10/29/20</a:t>
             </a:fld>
             <a:endParaRPr lang="en-US"/>
           </a:p>
@@ -1241,7 +1241,7 @@
           <a:p>
             <a:fld id="{368CC5CE-77A5-F648-895D-B56A6D348C68}" type="datetimeFigureOut">
               <a:rPr lang="en-US" smtClean="0"/>
-              <a:t>10/9/20</a:t>
+              <a:t>10/29/20</a:t>
             </a:fld>
             <a:endParaRPr lang="en-US"/>
           </a:p>
@@ -1608,7 +1608,7 @@
           <a:p>
             <a:fld id="{368CC5CE-77A5-F648-895D-B56A6D348C68}" type="datetimeFigureOut">
               <a:rPr lang="en-US" smtClean="0"/>
-              <a:t>10/9/20</a:t>
+              <a:t>10/29/20</a:t>
             </a:fld>
             <a:endParaRPr lang="en-US"/>
           </a:p>
@@ -1726,7 +1726,7 @@
           <a:p>
             <a:fld id="{368CC5CE-77A5-F648-895D-B56A6D348C68}" type="datetimeFigureOut">
               <a:rPr lang="en-US" smtClean="0"/>
-              <a:t>10/9/20</a:t>
+              <a:t>10/29/20</a:t>
             </a:fld>
             <a:endParaRPr lang="en-US"/>
           </a:p>
@@ -1821,7 +1821,7 @@
           <a:p>
             <a:fld id="{368CC5CE-77A5-F648-895D-B56A6D348C68}" type="datetimeFigureOut">
               <a:rPr lang="en-US" smtClean="0"/>
-              <a:t>10/9/20</a:t>
+              <a:t>10/29/20</a:t>
             </a:fld>
             <a:endParaRPr lang="en-US"/>
           </a:p>
@@ -2098,7 +2098,7 @@
           <a:p>
             <a:fld id="{368CC5CE-77A5-F648-895D-B56A6D348C68}" type="datetimeFigureOut">
               <a:rPr lang="en-US" smtClean="0"/>
-              <a:t>10/9/20</a:t>
+              <a:t>10/29/20</a:t>
             </a:fld>
             <a:endParaRPr lang="en-US"/>
           </a:p>
@@ -2355,7 +2355,7 @@
           <a:p>
             <a:fld id="{368CC5CE-77A5-F648-895D-B56A6D348C68}" type="datetimeFigureOut">
               <a:rPr lang="en-US" smtClean="0"/>
-              <a:t>10/9/20</a:t>
+              <a:t>10/29/20</a:t>
             </a:fld>
             <a:endParaRPr lang="en-US"/>
           </a:p>
@@ -2568,7 +2568,7 @@
           <a:p>
             <a:fld id="{368CC5CE-77A5-F648-895D-B56A6D348C68}" type="datetimeFigureOut">
               <a:rPr lang="en-US" smtClean="0"/>
-              <a:t>10/9/20</a:t>
+              <a:t>10/29/20</a:t>
             </a:fld>
             <a:endParaRPr lang="en-US"/>
           </a:p>
@@ -2975,10 +2975,10 @@
       </p:grpSpPr>
       <p:pic>
         <p:nvPicPr>
-          <p:cNvPr id="6" name="Picture 5">
+          <p:cNvPr id="4" name="Picture 3">
             <a:extLst>
               <a:ext uri="{FF2B5EF4-FFF2-40B4-BE49-F238E27FC236}">
-                <a16:creationId xmlns:a16="http://schemas.microsoft.com/office/drawing/2014/main" id="{0CA18124-29D0-824D-B3B5-EAC00BC73C64}"/>
+                <a16:creationId xmlns:a16="http://schemas.microsoft.com/office/drawing/2014/main" id="{59206596-1D39-BC47-9709-B67C7C2ED452}"/>
               </a:ext>
             </a:extLst>
           </p:cNvPr>
@@ -2989,13 +2989,13 @@
         </p:nvPicPr>
         <p:blipFill rotWithShape="1">
           <a:blip r:embed="rId2"/>
-          <a:srcRect r="15979" b="50027"/>
+          <a:srcRect r="15961"/>
           <a:stretch/>
         </p:blipFill>
         <p:spPr>
           <a:xfrm>
-            <a:off x="6277597" y="177267"/>
-            <a:ext cx="5867874" cy="1863047"/>
+            <a:off x="36536" y="63310"/>
+            <a:ext cx="6164861" cy="3915955"/>
           </a:xfrm>
           <a:prstGeom prst="rect">
             <a:avLst/>
@@ -3004,39 +3004,10 @@
       </p:pic>
       <p:pic>
         <p:nvPicPr>
-          <p:cNvPr id="19" name="Picture 18">
+          <p:cNvPr id="7" name="Picture 6">
             <a:extLst>
               <a:ext uri="{FF2B5EF4-FFF2-40B4-BE49-F238E27FC236}">
-                <a16:creationId xmlns:a16="http://schemas.microsoft.com/office/drawing/2014/main" id="{C89C7A12-EB68-1A47-ABD5-665346F0FFD5}"/>
-              </a:ext>
-            </a:extLst>
-          </p:cNvPr>
-          <p:cNvPicPr>
-            <a:picLocks noChangeAspect="1"/>
-          </p:cNvPicPr>
-          <p:nvPr/>
-        </p:nvPicPr>
-        <p:blipFill rotWithShape="1">
-          <a:blip r:embed="rId2"/>
-          <a:srcRect l="1" t="50194" r="57437"/>
-          <a:stretch/>
-        </p:blipFill>
-        <p:spPr>
-          <a:xfrm>
-            <a:off x="9192229" y="2048586"/>
-            <a:ext cx="2972559" cy="1856833"/>
-          </a:xfrm>
-          <a:prstGeom prst="rect">
-            <a:avLst/>
-          </a:prstGeom>
-        </p:spPr>
-      </p:pic>
-      <p:pic>
-        <p:nvPicPr>
-          <p:cNvPr id="3" name="Picture 2">
-            <a:extLst>
-              <a:ext uri="{FF2B5EF4-FFF2-40B4-BE49-F238E27FC236}">
-                <a16:creationId xmlns:a16="http://schemas.microsoft.com/office/drawing/2014/main" id="{5EB189F0-2A17-BC48-8241-83850DE88612}"/>
+                <a16:creationId xmlns:a16="http://schemas.microsoft.com/office/drawing/2014/main" id="{393767A5-4305-BF4F-986D-C050C97AF50D}"/>
               </a:ext>
             </a:extLst>
           </p:cNvPr>
@@ -3047,13 +3018,13 @@
         </p:nvPicPr>
         <p:blipFill rotWithShape="1">
           <a:blip r:embed="rId3"/>
-          <a:srcRect r="15991"/>
+          <a:srcRect r="16063" b="50779"/>
           <a:stretch/>
         </p:blipFill>
         <p:spPr>
           <a:xfrm>
-            <a:off x="174956" y="177267"/>
-            <a:ext cx="5867085" cy="3728152"/>
+            <a:off x="5916824" y="63310"/>
+            <a:ext cx="6157336" cy="1927469"/>
           </a:xfrm>
           <a:prstGeom prst="rect">
             <a:avLst/>
@@ -3534,6 +3505,35 @@
           </p:style>
         </p:cxnSp>
       </p:grpSp>
+      <p:pic>
+        <p:nvPicPr>
+          <p:cNvPr id="20" name="Picture 19">
+            <a:extLst>
+              <a:ext uri="{FF2B5EF4-FFF2-40B4-BE49-F238E27FC236}">
+                <a16:creationId xmlns:a16="http://schemas.microsoft.com/office/drawing/2014/main" id="{9CD041E3-C128-8243-817D-ED9F1AE5C786}"/>
+              </a:ext>
+            </a:extLst>
+          </p:cNvPr>
+          <p:cNvPicPr>
+            <a:picLocks noChangeAspect="1"/>
+          </p:cNvPicPr>
+          <p:nvPr/>
+        </p:nvPicPr>
+        <p:blipFill rotWithShape="1">
+          <a:blip r:embed="rId3"/>
+          <a:srcRect t="50133" r="55939"/>
+          <a:stretch/>
+        </p:blipFill>
+        <p:spPr>
+          <a:xfrm>
+            <a:off x="8954081" y="2026485"/>
+            <a:ext cx="3232183" cy="1952780"/>
+          </a:xfrm>
+          <a:prstGeom prst="rect">
+            <a:avLst/>
+          </a:prstGeom>
+        </p:spPr>
+      </p:pic>
     </p:spTree>
     <p:extLst>
       <p:ext uri="{BB962C8B-B14F-4D97-AF65-F5344CB8AC3E}">
